--- a/docs/Examples/Engines/Transient/O360-turbocharged-vs-none/makeFig_O360-turbocharged-vs-none.pptx
+++ b/docs/Examples/Engines/Transient/O360-turbocharged-vs-none/makeFig_O360-turbocharged-vs-none.pptx
@@ -5,7 +5,10 @@
     <p:sldMasterId id="2147483648" r:id="rId1"/>
   </p:sldMasterIdLst>
   <p:sldIdLst>
-    <p:sldId id="341" r:id="rId2"/>
+    <p:sldId id="342" r:id="rId2"/>
+    <p:sldId id="344" r:id="rId3"/>
+    <p:sldId id="343" r:id="rId4"/>
+    <p:sldId id="341" r:id="rId5"/>
   </p:sldIdLst>
   <p:sldSz cx="12192000" cy="6858000"/>
   <p:notesSz cx="6858000" cy="9144000"/>
@@ -109,6 +112,9 @@
       <p14:sectionLst xmlns:p14="http://schemas.microsoft.com/office/powerpoint/2010/main">
         <p14:section name="タイトルなしのセクション" id="{D2A33DC5-447C-4342-970E-67E925F821EA}">
           <p14:sldIdLst>
+            <p14:sldId id="342"/>
+            <p14:sldId id="344"/>
+            <p14:sldId id="343"/>
             <p14:sldId id="341"/>
           </p14:sldIdLst>
         </p14:section>
@@ -268,7 +274,7 @@
           <a:p>
             <a:fld id="{EF01AC3F-5B2B-4265-BEF4-31326588BC24}" type="datetimeFigureOut">
               <a:rPr kumimoji="1" lang="ja-JP" altLang="en-US" smtClean="0"/>
-              <a:t>2021/9/23</a:t>
+              <a:t>2021/9/26</a:t>
             </a:fld>
             <a:endParaRPr kumimoji="1" lang="ja-JP" altLang="en-US"/>
           </a:p>
@@ -498,7 +504,7 @@
           <a:p>
             <a:fld id="{EF01AC3F-5B2B-4265-BEF4-31326588BC24}" type="datetimeFigureOut">
               <a:rPr kumimoji="1" lang="ja-JP" altLang="en-US" smtClean="0"/>
-              <a:t>2021/9/23</a:t>
+              <a:t>2021/9/26</a:t>
             </a:fld>
             <a:endParaRPr kumimoji="1" lang="ja-JP" altLang="en-US"/>
           </a:p>
@@ -738,7 +744,7 @@
           <a:p>
             <a:fld id="{EF01AC3F-5B2B-4265-BEF4-31326588BC24}" type="datetimeFigureOut">
               <a:rPr kumimoji="1" lang="ja-JP" altLang="en-US" smtClean="0"/>
-              <a:t>2021/9/23</a:t>
+              <a:t>2021/9/26</a:t>
             </a:fld>
             <a:endParaRPr kumimoji="1" lang="ja-JP" altLang="en-US"/>
           </a:p>
@@ -1058,7 +1064,7 @@
           <a:p>
             <a:fld id="{EF01AC3F-5B2B-4265-BEF4-31326588BC24}" type="datetimeFigureOut">
               <a:rPr kumimoji="1" lang="ja-JP" altLang="en-US" smtClean="0"/>
-              <a:t>2021/9/23</a:t>
+              <a:t>2021/9/26</a:t>
             </a:fld>
             <a:endParaRPr kumimoji="1" lang="ja-JP" altLang="en-US"/>
           </a:p>
@@ -1333,7 +1339,7 @@
           <a:p>
             <a:fld id="{EF01AC3F-5B2B-4265-BEF4-31326588BC24}" type="datetimeFigureOut">
               <a:rPr kumimoji="1" lang="ja-JP" altLang="en-US" smtClean="0"/>
-              <a:t>2021/9/23</a:t>
+              <a:t>2021/9/26</a:t>
             </a:fld>
             <a:endParaRPr kumimoji="1" lang="ja-JP" altLang="en-US"/>
           </a:p>
@@ -1662,7 +1668,7 @@
           <a:p>
             <a:fld id="{EF01AC3F-5B2B-4265-BEF4-31326588BC24}" type="datetimeFigureOut">
               <a:rPr kumimoji="1" lang="ja-JP" altLang="en-US" smtClean="0"/>
-              <a:t>2021/9/23</a:t>
+              <a:t>2021/9/26</a:t>
             </a:fld>
             <a:endParaRPr kumimoji="1" lang="ja-JP" altLang="en-US"/>
           </a:p>
@@ -2138,7 +2144,7 @@
           <a:p>
             <a:fld id="{EF01AC3F-5B2B-4265-BEF4-31326588BC24}" type="datetimeFigureOut">
               <a:rPr kumimoji="1" lang="ja-JP" altLang="en-US" smtClean="0"/>
-              <a:t>2021/9/23</a:t>
+              <a:t>2021/9/26</a:t>
             </a:fld>
             <a:endParaRPr kumimoji="1" lang="ja-JP" altLang="en-US"/>
           </a:p>
@@ -2279,7 +2285,7 @@
           <a:p>
             <a:fld id="{EF01AC3F-5B2B-4265-BEF4-31326588BC24}" type="datetimeFigureOut">
               <a:rPr kumimoji="1" lang="ja-JP" altLang="en-US" smtClean="0"/>
-              <a:t>2021/9/23</a:t>
+              <a:t>2021/9/26</a:t>
             </a:fld>
             <a:endParaRPr kumimoji="1" lang="ja-JP" altLang="en-US"/>
           </a:p>
@@ -2392,7 +2398,7 @@
           <a:p>
             <a:fld id="{EF01AC3F-5B2B-4265-BEF4-31326588BC24}" type="datetimeFigureOut">
               <a:rPr kumimoji="1" lang="ja-JP" altLang="en-US" smtClean="0"/>
-              <a:t>2021/9/23</a:t>
+              <a:t>2021/9/26</a:t>
             </a:fld>
             <a:endParaRPr kumimoji="1" lang="ja-JP" altLang="en-US"/>
           </a:p>
@@ -2735,7 +2741,7 @@
           <a:p>
             <a:fld id="{EF01AC3F-5B2B-4265-BEF4-31326588BC24}" type="datetimeFigureOut">
               <a:rPr kumimoji="1" lang="ja-JP" altLang="en-US" smtClean="0"/>
-              <a:t>2021/9/23</a:t>
+              <a:t>2021/9/26</a:t>
             </a:fld>
             <a:endParaRPr kumimoji="1" lang="ja-JP" altLang="en-US"/>
           </a:p>
@@ -3023,7 +3029,7 @@
           <a:p>
             <a:fld id="{EF01AC3F-5B2B-4265-BEF4-31326588BC24}" type="datetimeFigureOut">
               <a:rPr kumimoji="1" lang="ja-JP" altLang="en-US" smtClean="0"/>
-              <a:t>2021/9/23</a:t>
+              <a:t>2021/9/26</a:t>
             </a:fld>
             <a:endParaRPr kumimoji="1" lang="ja-JP" altLang="en-US"/>
           </a:p>
@@ -3296,7 +3302,7 @@
           <a:p>
             <a:fld id="{EF01AC3F-5B2B-4265-BEF4-31326588BC24}" type="datetimeFigureOut">
               <a:rPr kumimoji="1" lang="ja-JP" altLang="en-US" smtClean="0"/>
-              <a:t>2021/9/23</a:t>
+              <a:t>2021/9/26</a:t>
             </a:fld>
             <a:endParaRPr kumimoji="1" lang="ja-JP" altLang="en-US"/>
           </a:p>
@@ -3719,6 +3725,290 @@
           <p:cNvPr id="3" name="図 2">
             <a:extLst>
               <a:ext uri="{FF2B5EF4-FFF2-40B4-BE49-F238E27FC236}">
+                <a16:creationId xmlns:a16="http://schemas.microsoft.com/office/drawing/2014/main" id="{2AC186DC-2E94-4125-B3B1-585088F305AB}"/>
+              </a:ext>
+            </a:extLst>
+          </p:cNvPr>
+          <p:cNvPicPr>
+            <a:picLocks noChangeAspect="1"/>
+          </p:cNvPicPr>
+          <p:nvPr/>
+        </p:nvPicPr>
+        <p:blipFill>
+          <a:blip r:embed="rId2"/>
+          <a:stretch>
+            <a:fillRect/>
+          </a:stretch>
+        </p:blipFill>
+        <p:spPr>
+          <a:xfrm>
+            <a:off x="381714" y="300428"/>
+            <a:ext cx="11428571" cy="6257143"/>
+          </a:xfrm>
+          <a:prstGeom prst="rect">
+            <a:avLst/>
+          </a:prstGeom>
+        </p:spPr>
+      </p:pic>
+    </p:spTree>
+    <p:extLst>
+      <p:ext uri="{BB962C8B-B14F-4D97-AF65-F5344CB8AC3E}">
+        <p14:creationId xmlns:p14="http://schemas.microsoft.com/office/powerpoint/2010/main" val="255393237"/>
+      </p:ext>
+    </p:extLst>
+  </p:cSld>
+  <p:clrMapOvr>
+    <a:masterClrMapping/>
+  </p:clrMapOvr>
+</p:sld>
+</file>
+
+<file path=ppt/slides/slide2.xml><?xml version="1.0" encoding="utf-8"?>
+<p:sld xmlns:a="http://schemas.openxmlformats.org/drawingml/2006/main" xmlns:r="http://schemas.openxmlformats.org/officeDocument/2006/relationships" xmlns:p="http://schemas.openxmlformats.org/presentationml/2006/main">
+  <p:cSld>
+    <p:spTree>
+      <p:nvGrpSpPr>
+        <p:cNvPr id="1" name=""/>
+        <p:cNvGrpSpPr/>
+        <p:nvPr/>
+      </p:nvGrpSpPr>
+      <p:grpSpPr>
+        <a:xfrm>
+          <a:off x="0" y="0"/>
+          <a:ext cx="0" cy="0"/>
+          <a:chOff x="0" y="0"/>
+          <a:chExt cx="0" cy="0"/>
+        </a:xfrm>
+      </p:grpSpPr>
+      <p:pic>
+        <p:nvPicPr>
+          <p:cNvPr id="3" name="図 2">
+            <a:extLst>
+              <a:ext uri="{FF2B5EF4-FFF2-40B4-BE49-F238E27FC236}">
+                <a16:creationId xmlns:a16="http://schemas.microsoft.com/office/drawing/2014/main" id="{2AC186DC-2E94-4125-B3B1-585088F305AB}"/>
+              </a:ext>
+            </a:extLst>
+          </p:cNvPr>
+          <p:cNvPicPr>
+            <a:picLocks noChangeAspect="1"/>
+          </p:cNvPicPr>
+          <p:nvPr/>
+        </p:nvPicPr>
+        <p:blipFill>
+          <a:blip r:embed="rId2"/>
+          <a:stretch>
+            <a:fillRect/>
+          </a:stretch>
+        </p:blipFill>
+        <p:spPr>
+          <a:xfrm>
+            <a:off x="381714" y="300428"/>
+            <a:ext cx="11428571" cy="6257143"/>
+          </a:xfrm>
+          <a:prstGeom prst="rect">
+            <a:avLst/>
+          </a:prstGeom>
+        </p:spPr>
+      </p:pic>
+      <p:sp>
+        <p:nvSpPr>
+          <p:cNvPr id="4" name="テキスト ボックス 3">
+            <a:extLst>
+              <a:ext uri="{FF2B5EF4-FFF2-40B4-BE49-F238E27FC236}">
+                <a16:creationId xmlns:a16="http://schemas.microsoft.com/office/drawing/2014/main" id="{DE03B5A0-BBBB-4391-8566-CAC00B7BB02A}"/>
+              </a:ext>
+            </a:extLst>
+          </p:cNvPr>
+          <p:cNvSpPr txBox="1"/>
+          <p:nvPr/>
+        </p:nvSpPr>
+        <p:spPr>
+          <a:xfrm>
+            <a:off x="2638698" y="435428"/>
+            <a:ext cx="1872342" cy="627018"/>
+          </a:xfrm>
+          <a:prstGeom prst="rect">
+            <a:avLst/>
+          </a:prstGeom>
+          <a:solidFill>
+            <a:srgbClr val="FFFF00"/>
+          </a:solidFill>
+          <a:ln>
+            <a:solidFill>
+              <a:schemeClr val="tx1"/>
+            </a:solidFill>
+          </a:ln>
+        </p:spPr>
+        <p:txBody>
+          <a:bodyPr wrap="square" rtlCol="0">
+            <a:noAutofit/>
+          </a:bodyPr>
+          <a:lstStyle/>
+          <a:p>
+            <a:r>
+              <a:rPr lang="en-US" altLang="ja-JP" sz="1100" dirty="0">
+                <a:latin typeface="Arial" panose="020B0604020202020204" pitchFamily="34" charset="0"/>
+                <a:cs typeface="Arial" panose="020B0604020202020204" pitchFamily="34" charset="0"/>
+              </a:rPr>
+              <a:t>Set inertia 1/100 of that of </a:t>
+            </a:r>
+            <a:r>
+              <a:rPr lang="en-US" altLang="ja-JP" sz="1100" dirty="0" err="1">
+                <a:latin typeface="Arial" panose="020B0604020202020204" pitchFamily="34" charset="0"/>
+                <a:cs typeface="Arial" panose="020B0604020202020204" pitchFamily="34" charset="0"/>
+              </a:rPr>
+              <a:t>piston&amp;cylinder</a:t>
+            </a:r>
+            <a:r>
+              <a:rPr lang="en-US" altLang="ja-JP" sz="1100" dirty="0">
+                <a:latin typeface="Arial" panose="020B0604020202020204" pitchFamily="34" charset="0"/>
+                <a:cs typeface="Arial" panose="020B0604020202020204" pitchFamily="34" charset="0"/>
+              </a:rPr>
+              <a:t>; greatly smaller intentionally.</a:t>
+            </a:r>
+          </a:p>
+        </p:txBody>
+      </p:sp>
+      <p:cxnSp>
+        <p:nvCxnSpPr>
+          <p:cNvPr id="5" name="直線コネクタ 4">
+            <a:extLst>
+              <a:ext uri="{FF2B5EF4-FFF2-40B4-BE49-F238E27FC236}">
+                <a16:creationId xmlns:a16="http://schemas.microsoft.com/office/drawing/2014/main" id="{62ABAB98-091C-4A14-ABE5-BAF3202E0E5A}"/>
+              </a:ext>
+            </a:extLst>
+          </p:cNvPr>
+          <p:cNvCxnSpPr>
+            <a:cxnSpLocks/>
+            <a:stCxn id="4" idx="2"/>
+          </p:cNvCxnSpPr>
+          <p:nvPr/>
+        </p:nvCxnSpPr>
+        <p:spPr>
+          <a:xfrm flipH="1">
+            <a:off x="2525487" y="1062446"/>
+            <a:ext cx="1049382" cy="1724297"/>
+          </a:xfrm>
+          <a:prstGeom prst="line">
+            <a:avLst/>
+          </a:prstGeom>
+          <a:ln w="28575">
+            <a:solidFill>
+              <a:schemeClr val="tx1"/>
+            </a:solidFill>
+            <a:tailEnd type="oval"/>
+          </a:ln>
+        </p:spPr>
+        <p:style>
+          <a:lnRef idx="1">
+            <a:schemeClr val="accent1"/>
+          </a:lnRef>
+          <a:fillRef idx="0">
+            <a:schemeClr val="accent1"/>
+          </a:fillRef>
+          <a:effectRef idx="0">
+            <a:schemeClr val="accent1"/>
+          </a:effectRef>
+          <a:fontRef idx="minor">
+            <a:schemeClr val="tx1"/>
+          </a:fontRef>
+        </p:style>
+      </p:cxnSp>
+    </p:spTree>
+    <p:extLst>
+      <p:ext uri="{BB962C8B-B14F-4D97-AF65-F5344CB8AC3E}">
+        <p14:creationId xmlns:p14="http://schemas.microsoft.com/office/powerpoint/2010/main" val="3364171288"/>
+      </p:ext>
+    </p:extLst>
+  </p:cSld>
+  <p:clrMapOvr>
+    <a:masterClrMapping/>
+  </p:clrMapOvr>
+</p:sld>
+</file>
+
+<file path=ppt/slides/slide3.xml><?xml version="1.0" encoding="utf-8"?>
+<p:sld xmlns:a="http://schemas.openxmlformats.org/drawingml/2006/main" xmlns:r="http://schemas.openxmlformats.org/officeDocument/2006/relationships" xmlns:p="http://schemas.openxmlformats.org/presentationml/2006/main">
+  <p:cSld>
+    <p:spTree>
+      <p:nvGrpSpPr>
+        <p:cNvPr id="1" name=""/>
+        <p:cNvGrpSpPr/>
+        <p:nvPr/>
+      </p:nvGrpSpPr>
+      <p:grpSpPr>
+        <a:xfrm>
+          <a:off x="0" y="0"/>
+          <a:ext cx="0" cy="0"/>
+          <a:chOff x="0" y="0"/>
+          <a:chExt cx="0" cy="0"/>
+        </a:xfrm>
+      </p:grpSpPr>
+      <p:pic>
+        <p:nvPicPr>
+          <p:cNvPr id="3" name="図 2">
+            <a:extLst>
+              <a:ext uri="{FF2B5EF4-FFF2-40B4-BE49-F238E27FC236}">
+                <a16:creationId xmlns:a16="http://schemas.microsoft.com/office/drawing/2014/main" id="{E584FD56-42F9-4C5B-9686-41CC549C831C}"/>
+              </a:ext>
+            </a:extLst>
+          </p:cNvPr>
+          <p:cNvPicPr>
+            <a:picLocks noChangeAspect="1"/>
+          </p:cNvPicPr>
+          <p:nvPr/>
+        </p:nvPicPr>
+        <p:blipFill>
+          <a:blip r:embed="rId2"/>
+          <a:stretch>
+            <a:fillRect/>
+          </a:stretch>
+        </p:blipFill>
+        <p:spPr>
+          <a:xfrm>
+            <a:off x="381714" y="300428"/>
+            <a:ext cx="11428571" cy="6257143"/>
+          </a:xfrm>
+          <a:prstGeom prst="rect">
+            <a:avLst/>
+          </a:prstGeom>
+        </p:spPr>
+      </p:pic>
+    </p:spTree>
+    <p:extLst>
+      <p:ext uri="{BB962C8B-B14F-4D97-AF65-F5344CB8AC3E}">
+        <p14:creationId xmlns:p14="http://schemas.microsoft.com/office/powerpoint/2010/main" val="1570485897"/>
+      </p:ext>
+    </p:extLst>
+  </p:cSld>
+  <p:clrMapOvr>
+    <a:masterClrMapping/>
+  </p:clrMapOvr>
+</p:sld>
+</file>
+
+<file path=ppt/slides/slide4.xml><?xml version="1.0" encoding="utf-8"?>
+<p:sld xmlns:a="http://schemas.openxmlformats.org/drawingml/2006/main" xmlns:r="http://schemas.openxmlformats.org/officeDocument/2006/relationships" xmlns:p="http://schemas.openxmlformats.org/presentationml/2006/main">
+  <p:cSld>
+    <p:spTree>
+      <p:nvGrpSpPr>
+        <p:cNvPr id="1" name=""/>
+        <p:cNvGrpSpPr/>
+        <p:nvPr/>
+      </p:nvGrpSpPr>
+      <p:grpSpPr>
+        <a:xfrm>
+          <a:off x="0" y="0"/>
+          <a:ext cx="0" cy="0"/>
+          <a:chOff x="0" y="0"/>
+          <a:chExt cx="0" cy="0"/>
+        </a:xfrm>
+      </p:grpSpPr>
+      <p:pic>
+        <p:nvPicPr>
+          <p:cNvPr id="3" name="図 2">
+            <a:extLst>
+              <a:ext uri="{FF2B5EF4-FFF2-40B4-BE49-F238E27FC236}">
                 <a16:creationId xmlns:a16="http://schemas.microsoft.com/office/drawing/2014/main" id="{93F54487-610B-40D9-B9F8-FF0743DAEA6B}"/>
               </a:ext>
             </a:extLst>

--- a/docs/Examples/Engines/Transient/O360-turbocharged-vs-none/makeFig_O360-turbocharged-vs-none.pptx
+++ b/docs/Examples/Engines/Transient/O360-turbocharged-vs-none/makeFig_O360-turbocharged-vs-none.pptx
@@ -9,6 +9,7 @@
     <p:sldId id="344" r:id="rId3"/>
     <p:sldId id="343" r:id="rId4"/>
     <p:sldId id="341" r:id="rId5"/>
+    <p:sldId id="345" r:id="rId6"/>
   </p:sldIdLst>
   <p:sldSz cx="12192000" cy="6858000"/>
   <p:notesSz cx="6858000" cy="9144000"/>
@@ -116,6 +117,7 @@
             <p14:sldId id="344"/>
             <p14:sldId id="343"/>
             <p14:sldId id="341"/>
+            <p14:sldId id="345"/>
           </p14:sldIdLst>
         </p14:section>
       </p14:sectionLst>
@@ -274,7 +276,7 @@
           <a:p>
             <a:fld id="{EF01AC3F-5B2B-4265-BEF4-31326588BC24}" type="datetimeFigureOut">
               <a:rPr kumimoji="1" lang="ja-JP" altLang="en-US" smtClean="0"/>
-              <a:t>2021/9/26</a:t>
+              <a:t>2021/9/28</a:t>
             </a:fld>
             <a:endParaRPr kumimoji="1" lang="ja-JP" altLang="en-US"/>
           </a:p>
@@ -504,7 +506,7 @@
           <a:p>
             <a:fld id="{EF01AC3F-5B2B-4265-BEF4-31326588BC24}" type="datetimeFigureOut">
               <a:rPr kumimoji="1" lang="ja-JP" altLang="en-US" smtClean="0"/>
-              <a:t>2021/9/26</a:t>
+              <a:t>2021/9/28</a:t>
             </a:fld>
             <a:endParaRPr kumimoji="1" lang="ja-JP" altLang="en-US"/>
           </a:p>
@@ -744,7 +746,7 @@
           <a:p>
             <a:fld id="{EF01AC3F-5B2B-4265-BEF4-31326588BC24}" type="datetimeFigureOut">
               <a:rPr kumimoji="1" lang="ja-JP" altLang="en-US" smtClean="0"/>
-              <a:t>2021/9/26</a:t>
+              <a:t>2021/9/28</a:t>
             </a:fld>
             <a:endParaRPr kumimoji="1" lang="ja-JP" altLang="en-US"/>
           </a:p>
@@ -1064,7 +1066,7 @@
           <a:p>
             <a:fld id="{EF01AC3F-5B2B-4265-BEF4-31326588BC24}" type="datetimeFigureOut">
               <a:rPr kumimoji="1" lang="ja-JP" altLang="en-US" smtClean="0"/>
-              <a:t>2021/9/26</a:t>
+              <a:t>2021/9/28</a:t>
             </a:fld>
             <a:endParaRPr kumimoji="1" lang="ja-JP" altLang="en-US"/>
           </a:p>
@@ -1339,7 +1341,7 @@
           <a:p>
             <a:fld id="{EF01AC3F-5B2B-4265-BEF4-31326588BC24}" type="datetimeFigureOut">
               <a:rPr kumimoji="1" lang="ja-JP" altLang="en-US" smtClean="0"/>
-              <a:t>2021/9/26</a:t>
+              <a:t>2021/9/28</a:t>
             </a:fld>
             <a:endParaRPr kumimoji="1" lang="ja-JP" altLang="en-US"/>
           </a:p>
@@ -1668,7 +1670,7 @@
           <a:p>
             <a:fld id="{EF01AC3F-5B2B-4265-BEF4-31326588BC24}" type="datetimeFigureOut">
               <a:rPr kumimoji="1" lang="ja-JP" altLang="en-US" smtClean="0"/>
-              <a:t>2021/9/26</a:t>
+              <a:t>2021/9/28</a:t>
             </a:fld>
             <a:endParaRPr kumimoji="1" lang="ja-JP" altLang="en-US"/>
           </a:p>
@@ -2144,7 +2146,7 @@
           <a:p>
             <a:fld id="{EF01AC3F-5B2B-4265-BEF4-31326588BC24}" type="datetimeFigureOut">
               <a:rPr kumimoji="1" lang="ja-JP" altLang="en-US" smtClean="0"/>
-              <a:t>2021/9/26</a:t>
+              <a:t>2021/9/28</a:t>
             </a:fld>
             <a:endParaRPr kumimoji="1" lang="ja-JP" altLang="en-US"/>
           </a:p>
@@ -2285,7 +2287,7 @@
           <a:p>
             <a:fld id="{EF01AC3F-5B2B-4265-BEF4-31326588BC24}" type="datetimeFigureOut">
               <a:rPr kumimoji="1" lang="ja-JP" altLang="en-US" smtClean="0"/>
-              <a:t>2021/9/26</a:t>
+              <a:t>2021/9/28</a:t>
             </a:fld>
             <a:endParaRPr kumimoji="1" lang="ja-JP" altLang="en-US"/>
           </a:p>
@@ -2398,7 +2400,7 @@
           <a:p>
             <a:fld id="{EF01AC3F-5B2B-4265-BEF4-31326588BC24}" type="datetimeFigureOut">
               <a:rPr kumimoji="1" lang="ja-JP" altLang="en-US" smtClean="0"/>
-              <a:t>2021/9/26</a:t>
+              <a:t>2021/9/28</a:t>
             </a:fld>
             <a:endParaRPr kumimoji="1" lang="ja-JP" altLang="en-US"/>
           </a:p>
@@ -2741,7 +2743,7 @@
           <a:p>
             <a:fld id="{EF01AC3F-5B2B-4265-BEF4-31326588BC24}" type="datetimeFigureOut">
               <a:rPr kumimoji="1" lang="ja-JP" altLang="en-US" smtClean="0"/>
-              <a:t>2021/9/26</a:t>
+              <a:t>2021/9/28</a:t>
             </a:fld>
             <a:endParaRPr kumimoji="1" lang="ja-JP" altLang="en-US"/>
           </a:p>
@@ -3029,7 +3031,7 @@
           <a:p>
             <a:fld id="{EF01AC3F-5B2B-4265-BEF4-31326588BC24}" type="datetimeFigureOut">
               <a:rPr kumimoji="1" lang="ja-JP" altLang="en-US" smtClean="0"/>
-              <a:t>2021/9/26</a:t>
+              <a:t>2021/9/28</a:t>
             </a:fld>
             <a:endParaRPr kumimoji="1" lang="ja-JP" altLang="en-US"/>
           </a:p>
@@ -3302,7 +3304,7 @@
           <a:p>
             <a:fld id="{EF01AC3F-5B2B-4265-BEF4-31326588BC24}" type="datetimeFigureOut">
               <a:rPr kumimoji="1" lang="ja-JP" altLang="en-US" smtClean="0"/>
-              <a:t>2021/9/26</a:t>
+              <a:t>2021/9/28</a:t>
             </a:fld>
             <a:endParaRPr kumimoji="1" lang="ja-JP" altLang="en-US"/>
           </a:p>
@@ -4434,6 +4436,1390 @@
 </p:sld>
 </file>
 
+<file path=ppt/slides/slide5.xml><?xml version="1.0" encoding="utf-8"?>
+<p:sld xmlns:a="http://schemas.openxmlformats.org/drawingml/2006/main" xmlns:r="http://schemas.openxmlformats.org/officeDocument/2006/relationships" xmlns:p="http://schemas.openxmlformats.org/presentationml/2006/main">
+  <p:cSld>
+    <p:spTree>
+      <p:nvGrpSpPr>
+        <p:cNvPr id="1" name=""/>
+        <p:cNvGrpSpPr/>
+        <p:nvPr/>
+      </p:nvGrpSpPr>
+      <p:grpSpPr>
+        <a:xfrm>
+          <a:off x="0" y="0"/>
+          <a:ext cx="0" cy="0"/>
+          <a:chOff x="0" y="0"/>
+          <a:chExt cx="0" cy="0"/>
+        </a:xfrm>
+      </p:grpSpPr>
+      <p:pic>
+        <p:nvPicPr>
+          <p:cNvPr id="4" name="図 3">
+            <a:extLst>
+              <a:ext uri="{FF2B5EF4-FFF2-40B4-BE49-F238E27FC236}">
+                <a16:creationId xmlns:a16="http://schemas.microsoft.com/office/drawing/2014/main" id="{FEC2116B-F9D1-4A52-ADFB-D37B4821BFF1}"/>
+              </a:ext>
+            </a:extLst>
+          </p:cNvPr>
+          <p:cNvPicPr>
+            <a:picLocks noChangeAspect="1"/>
+          </p:cNvPicPr>
+          <p:nvPr/>
+        </p:nvPicPr>
+        <p:blipFill>
+          <a:blip r:embed="rId2"/>
+          <a:stretch>
+            <a:fillRect/>
+          </a:stretch>
+        </p:blipFill>
+        <p:spPr>
+          <a:xfrm>
+            <a:off x="1094048" y="1206392"/>
+            <a:ext cx="7722265" cy="5298663"/>
+          </a:xfrm>
+          <a:prstGeom prst="rect">
+            <a:avLst/>
+          </a:prstGeom>
+        </p:spPr>
+      </p:pic>
+      <p:sp>
+        <p:nvSpPr>
+          <p:cNvPr id="5" name="テキスト ボックス 4">
+            <a:extLst>
+              <a:ext uri="{FF2B5EF4-FFF2-40B4-BE49-F238E27FC236}">
+                <a16:creationId xmlns:a16="http://schemas.microsoft.com/office/drawing/2014/main" id="{34123377-035F-4DA3-907F-F4BC0BF48EA7}"/>
+              </a:ext>
+            </a:extLst>
+          </p:cNvPr>
+          <p:cNvSpPr txBox="1"/>
+          <p:nvPr/>
+        </p:nvSpPr>
+        <p:spPr>
+          <a:xfrm>
+            <a:off x="2866603" y="3976102"/>
+            <a:ext cx="882604" cy="302145"/>
+          </a:xfrm>
+          <a:prstGeom prst="rect">
+            <a:avLst/>
+          </a:prstGeom>
+          <a:solidFill>
+            <a:schemeClr val="accent6">
+              <a:lumMod val="40000"/>
+              <a:lumOff val="60000"/>
+            </a:schemeClr>
+          </a:solidFill>
+          <a:ln>
+            <a:solidFill>
+              <a:schemeClr val="tx1"/>
+            </a:solidFill>
+          </a:ln>
+        </p:spPr>
+        <p:txBody>
+          <a:bodyPr wrap="square" rtlCol="0">
+            <a:noAutofit/>
+          </a:bodyPr>
+          <a:lstStyle/>
+          <a:p>
+            <a:r>
+              <a:rPr lang="ja-JP" altLang="en-US" sz="1100" dirty="0">
+                <a:latin typeface="Arial" panose="020B0604020202020204" pitchFamily="34" charset="0"/>
+                <a:cs typeface="Arial" panose="020B0604020202020204" pitchFamily="34" charset="0"/>
+              </a:rPr>
+              <a:t>等回転線</a:t>
+            </a:r>
+            <a:endParaRPr lang="en-US" altLang="ja-JP" sz="1100" dirty="0">
+              <a:latin typeface="Arial" panose="020B0604020202020204" pitchFamily="34" charset="0"/>
+              <a:cs typeface="Arial" panose="020B0604020202020204" pitchFamily="34" charset="0"/>
+            </a:endParaRPr>
+          </a:p>
+        </p:txBody>
+      </p:sp>
+      <p:cxnSp>
+        <p:nvCxnSpPr>
+          <p:cNvPr id="6" name="直線コネクタ 5">
+            <a:extLst>
+              <a:ext uri="{FF2B5EF4-FFF2-40B4-BE49-F238E27FC236}">
+                <a16:creationId xmlns:a16="http://schemas.microsoft.com/office/drawing/2014/main" id="{350C7610-ED91-48C3-B0D6-7C08C36120C0}"/>
+              </a:ext>
+            </a:extLst>
+          </p:cNvPr>
+          <p:cNvCxnSpPr>
+            <a:cxnSpLocks/>
+            <a:stCxn id="5" idx="3"/>
+          </p:cNvCxnSpPr>
+          <p:nvPr/>
+        </p:nvCxnSpPr>
+        <p:spPr>
+          <a:xfrm flipV="1">
+            <a:off x="3749207" y="3976102"/>
+            <a:ext cx="705959" cy="151073"/>
+          </a:xfrm>
+          <a:prstGeom prst="line">
+            <a:avLst/>
+          </a:prstGeom>
+          <a:ln w="28575">
+            <a:solidFill>
+              <a:schemeClr val="tx1"/>
+            </a:solidFill>
+            <a:headEnd type="none" w="med" len="med"/>
+            <a:tailEnd type="none" w="med" len="med"/>
+          </a:ln>
+        </p:spPr>
+        <p:style>
+          <a:lnRef idx="1">
+            <a:schemeClr val="accent1"/>
+          </a:lnRef>
+          <a:fillRef idx="0">
+            <a:schemeClr val="accent1"/>
+          </a:fillRef>
+          <a:effectRef idx="0">
+            <a:schemeClr val="accent1"/>
+          </a:effectRef>
+          <a:fontRef idx="minor">
+            <a:schemeClr val="tx1"/>
+          </a:fontRef>
+        </p:style>
+      </p:cxnSp>
+      <p:sp>
+        <p:nvSpPr>
+          <p:cNvPr id="9" name="台形 8">
+            <a:extLst>
+              <a:ext uri="{FF2B5EF4-FFF2-40B4-BE49-F238E27FC236}">
+                <a16:creationId xmlns:a16="http://schemas.microsoft.com/office/drawing/2014/main" id="{F868DA68-DBA1-49E1-88A5-BBC58C34AD5D}"/>
+              </a:ext>
+            </a:extLst>
+          </p:cNvPr>
+          <p:cNvSpPr/>
+          <p:nvPr/>
+        </p:nvSpPr>
+        <p:spPr>
+          <a:xfrm rot="5400000">
+            <a:off x="2713626" y="177438"/>
+            <a:ext cx="1106424" cy="855540"/>
+          </a:xfrm>
+          <a:prstGeom prst="trapezoid">
+            <a:avLst>
+              <a:gd name="adj" fmla="val 30026"/>
+            </a:avLst>
+          </a:prstGeom>
+        </p:spPr>
+        <p:style>
+          <a:lnRef idx="2">
+            <a:schemeClr val="accent5">
+              <a:shade val="50000"/>
+            </a:schemeClr>
+          </a:lnRef>
+          <a:fillRef idx="1">
+            <a:schemeClr val="accent5"/>
+          </a:fillRef>
+          <a:effectRef idx="0">
+            <a:schemeClr val="accent5"/>
+          </a:effectRef>
+          <a:fontRef idx="minor">
+            <a:schemeClr val="lt1"/>
+          </a:fontRef>
+        </p:style>
+        <p:txBody>
+          <a:bodyPr rtlCol="0" anchor="ctr"/>
+          <a:lstStyle/>
+          <a:p>
+            <a:pPr algn="ctr"/>
+            <a:endParaRPr kumimoji="1" lang="ja-JP" altLang="en-US" dirty="0"/>
+          </a:p>
+        </p:txBody>
+      </p:sp>
+      <p:cxnSp>
+        <p:nvCxnSpPr>
+          <p:cNvPr id="11" name="直線コネクタ 10">
+            <a:extLst>
+              <a:ext uri="{FF2B5EF4-FFF2-40B4-BE49-F238E27FC236}">
+                <a16:creationId xmlns:a16="http://schemas.microsoft.com/office/drawing/2014/main" id="{D1EE49D0-7AE5-4FD1-BD57-2AB1552AD40D}"/>
+              </a:ext>
+            </a:extLst>
+          </p:cNvPr>
+          <p:cNvCxnSpPr>
+            <a:cxnSpLocks/>
+          </p:cNvCxnSpPr>
+          <p:nvPr/>
+        </p:nvCxnSpPr>
+        <p:spPr>
+          <a:xfrm>
+            <a:off x="3684703" y="381957"/>
+            <a:ext cx="1750645" cy="0"/>
+          </a:xfrm>
+          <a:prstGeom prst="line">
+            <a:avLst/>
+          </a:prstGeom>
+        </p:spPr>
+        <p:style>
+          <a:lnRef idx="3">
+            <a:schemeClr val="accent1"/>
+          </a:lnRef>
+          <a:fillRef idx="0">
+            <a:schemeClr val="accent1"/>
+          </a:fillRef>
+          <a:effectRef idx="2">
+            <a:schemeClr val="accent1"/>
+          </a:effectRef>
+          <a:fontRef idx="minor">
+            <a:schemeClr val="tx1"/>
+          </a:fontRef>
+        </p:style>
+      </p:cxnSp>
+      <p:cxnSp>
+        <p:nvCxnSpPr>
+          <p:cNvPr id="13" name="直線コネクタ 12">
+            <a:extLst>
+              <a:ext uri="{FF2B5EF4-FFF2-40B4-BE49-F238E27FC236}">
+                <a16:creationId xmlns:a16="http://schemas.microsoft.com/office/drawing/2014/main" id="{80C05636-646E-4BF8-B099-83A7C644E791}"/>
+              </a:ext>
+            </a:extLst>
+          </p:cNvPr>
+          <p:cNvCxnSpPr>
+            <a:cxnSpLocks/>
+          </p:cNvCxnSpPr>
+          <p:nvPr/>
+        </p:nvCxnSpPr>
+        <p:spPr>
+          <a:xfrm>
+            <a:off x="1981968" y="204612"/>
+            <a:ext cx="878115" cy="0"/>
+          </a:xfrm>
+          <a:prstGeom prst="line">
+            <a:avLst/>
+          </a:prstGeom>
+        </p:spPr>
+        <p:style>
+          <a:lnRef idx="3">
+            <a:schemeClr val="accent1"/>
+          </a:lnRef>
+          <a:fillRef idx="0">
+            <a:schemeClr val="accent1"/>
+          </a:fillRef>
+          <a:effectRef idx="2">
+            <a:schemeClr val="accent1"/>
+          </a:effectRef>
+          <a:fontRef idx="minor">
+            <a:schemeClr val="tx1"/>
+          </a:fontRef>
+        </p:style>
+      </p:cxnSp>
+      <p:sp>
+        <p:nvSpPr>
+          <p:cNvPr id="17" name="正方形/長方形 16">
+            <a:extLst>
+              <a:ext uri="{FF2B5EF4-FFF2-40B4-BE49-F238E27FC236}">
+                <a16:creationId xmlns:a16="http://schemas.microsoft.com/office/drawing/2014/main" id="{B02EF2F8-1580-4AAE-BCBD-BD245F63B914}"/>
+              </a:ext>
+            </a:extLst>
+          </p:cNvPr>
+          <p:cNvSpPr/>
+          <p:nvPr/>
+        </p:nvSpPr>
+        <p:spPr>
+          <a:xfrm>
+            <a:off x="3704171" y="549474"/>
+            <a:ext cx="320492" cy="107910"/>
+          </a:xfrm>
+          <a:prstGeom prst="rect">
+            <a:avLst/>
+          </a:prstGeom>
+        </p:spPr>
+        <p:style>
+          <a:lnRef idx="2">
+            <a:schemeClr val="dk1">
+              <a:shade val="50000"/>
+            </a:schemeClr>
+          </a:lnRef>
+          <a:fillRef idx="1">
+            <a:schemeClr val="dk1"/>
+          </a:fillRef>
+          <a:effectRef idx="0">
+            <a:schemeClr val="dk1"/>
+          </a:effectRef>
+          <a:fontRef idx="minor">
+            <a:schemeClr val="lt1"/>
+          </a:fontRef>
+        </p:style>
+        <p:txBody>
+          <a:bodyPr rtlCol="0" anchor="ctr"/>
+          <a:lstStyle/>
+          <a:p>
+            <a:pPr algn="ctr"/>
+            <a:endParaRPr kumimoji="1" lang="ja-JP" altLang="en-US"/>
+          </a:p>
+        </p:txBody>
+      </p:sp>
+      <p:sp>
+        <p:nvSpPr>
+          <p:cNvPr id="18" name="正方形/長方形 17">
+            <a:extLst>
+              <a:ext uri="{FF2B5EF4-FFF2-40B4-BE49-F238E27FC236}">
+                <a16:creationId xmlns:a16="http://schemas.microsoft.com/office/drawing/2014/main" id="{C39B2AD8-EA2D-4726-8F3B-04A7B447B902}"/>
+              </a:ext>
+            </a:extLst>
+          </p:cNvPr>
+          <p:cNvSpPr/>
+          <p:nvPr/>
+        </p:nvSpPr>
+        <p:spPr>
+          <a:xfrm>
+            <a:off x="2515454" y="553824"/>
+            <a:ext cx="320492" cy="107910"/>
+          </a:xfrm>
+          <a:prstGeom prst="rect">
+            <a:avLst/>
+          </a:prstGeom>
+        </p:spPr>
+        <p:style>
+          <a:lnRef idx="2">
+            <a:schemeClr val="dk1">
+              <a:shade val="50000"/>
+            </a:schemeClr>
+          </a:lnRef>
+          <a:fillRef idx="1">
+            <a:schemeClr val="dk1"/>
+          </a:fillRef>
+          <a:effectRef idx="0">
+            <a:schemeClr val="dk1"/>
+          </a:effectRef>
+          <a:fontRef idx="minor">
+            <a:schemeClr val="lt1"/>
+          </a:fontRef>
+        </p:style>
+        <p:txBody>
+          <a:bodyPr rtlCol="0" anchor="ctr"/>
+          <a:lstStyle/>
+          <a:p>
+            <a:pPr algn="ctr"/>
+            <a:endParaRPr kumimoji="1" lang="ja-JP" altLang="en-US"/>
+          </a:p>
+        </p:txBody>
+      </p:sp>
+      <p:sp>
+        <p:nvSpPr>
+          <p:cNvPr id="20" name="二等辺三角形 19">
+            <a:extLst>
+              <a:ext uri="{FF2B5EF4-FFF2-40B4-BE49-F238E27FC236}">
+                <a16:creationId xmlns:a16="http://schemas.microsoft.com/office/drawing/2014/main" id="{2CB61827-1FC4-46C6-9BEA-A7E022CF7139}"/>
+              </a:ext>
+            </a:extLst>
+          </p:cNvPr>
+          <p:cNvSpPr/>
+          <p:nvPr/>
+        </p:nvSpPr>
+        <p:spPr>
+          <a:xfrm rot="5400000">
+            <a:off x="4594445" y="234978"/>
+            <a:ext cx="291356" cy="283995"/>
+          </a:xfrm>
+          <a:prstGeom prst="triangle">
+            <a:avLst/>
+          </a:prstGeom>
+        </p:spPr>
+        <p:style>
+          <a:lnRef idx="2">
+            <a:schemeClr val="dk1"/>
+          </a:lnRef>
+          <a:fillRef idx="1">
+            <a:schemeClr val="lt1"/>
+          </a:fillRef>
+          <a:effectRef idx="0">
+            <a:schemeClr val="dk1"/>
+          </a:effectRef>
+          <a:fontRef idx="minor">
+            <a:schemeClr val="dk1"/>
+          </a:fontRef>
+        </p:style>
+        <p:txBody>
+          <a:bodyPr rtlCol="0" anchor="ctr"/>
+          <a:lstStyle/>
+          <a:p>
+            <a:pPr algn="ctr"/>
+            <a:endParaRPr kumimoji="1" lang="ja-JP" altLang="en-US"/>
+          </a:p>
+        </p:txBody>
+      </p:sp>
+      <p:sp>
+        <p:nvSpPr>
+          <p:cNvPr id="21" name="二等辺三角形 20">
+            <a:extLst>
+              <a:ext uri="{FF2B5EF4-FFF2-40B4-BE49-F238E27FC236}">
+                <a16:creationId xmlns:a16="http://schemas.microsoft.com/office/drawing/2014/main" id="{F62E71CC-B6BD-4B17-9C47-1684E5112F39}"/>
+              </a:ext>
+            </a:extLst>
+          </p:cNvPr>
+          <p:cNvSpPr/>
+          <p:nvPr/>
+        </p:nvSpPr>
+        <p:spPr>
+          <a:xfrm rot="16200000">
+            <a:off x="4906031" y="239959"/>
+            <a:ext cx="264869" cy="283995"/>
+          </a:xfrm>
+          <a:prstGeom prst="triangle">
+            <a:avLst/>
+          </a:prstGeom>
+        </p:spPr>
+        <p:style>
+          <a:lnRef idx="2">
+            <a:schemeClr val="dk1"/>
+          </a:lnRef>
+          <a:fillRef idx="1">
+            <a:schemeClr val="lt1"/>
+          </a:fillRef>
+          <a:effectRef idx="0">
+            <a:schemeClr val="dk1"/>
+          </a:effectRef>
+          <a:fontRef idx="minor">
+            <a:schemeClr val="dk1"/>
+          </a:fontRef>
+        </p:style>
+        <p:txBody>
+          <a:bodyPr rtlCol="0" anchor="ctr"/>
+          <a:lstStyle/>
+          <a:p>
+            <a:pPr algn="ctr"/>
+            <a:endParaRPr kumimoji="1" lang="ja-JP" altLang="en-US" dirty="0"/>
+          </a:p>
+        </p:txBody>
+      </p:sp>
+      <p:sp>
+        <p:nvSpPr>
+          <p:cNvPr id="22" name="テキスト ボックス 21">
+            <a:extLst>
+              <a:ext uri="{FF2B5EF4-FFF2-40B4-BE49-F238E27FC236}">
+                <a16:creationId xmlns:a16="http://schemas.microsoft.com/office/drawing/2014/main" id="{6F0AB95F-A6C4-45EC-831F-1E201FD36F2F}"/>
+              </a:ext>
+            </a:extLst>
+          </p:cNvPr>
+          <p:cNvSpPr txBox="1"/>
+          <p:nvPr/>
+        </p:nvSpPr>
+        <p:spPr>
+          <a:xfrm>
+            <a:off x="2930068" y="653700"/>
+            <a:ext cx="882604" cy="307777"/>
+          </a:xfrm>
+          <a:prstGeom prst="rect">
+            <a:avLst/>
+          </a:prstGeom>
+          <a:noFill/>
+        </p:spPr>
+        <p:txBody>
+          <a:bodyPr wrap="square" rtlCol="0">
+            <a:spAutoFit/>
+          </a:bodyPr>
+          <a:lstStyle/>
+          <a:p>
+            <a:r>
+              <a:rPr kumimoji="1" lang="ja-JP" altLang="en-US" sz="1400" dirty="0"/>
+              <a:t>圧縮機</a:t>
+            </a:r>
+          </a:p>
+        </p:txBody>
+      </p:sp>
+      <p:sp>
+        <p:nvSpPr>
+          <p:cNvPr id="23" name="テキスト ボックス 22">
+            <a:extLst>
+              <a:ext uri="{FF2B5EF4-FFF2-40B4-BE49-F238E27FC236}">
+                <a16:creationId xmlns:a16="http://schemas.microsoft.com/office/drawing/2014/main" id="{85172ED2-EB20-4682-82B0-B48D7BB93225}"/>
+              </a:ext>
+            </a:extLst>
+          </p:cNvPr>
+          <p:cNvSpPr txBox="1"/>
+          <p:nvPr/>
+        </p:nvSpPr>
+        <p:spPr>
+          <a:xfrm>
+            <a:off x="4455166" y="557276"/>
+            <a:ext cx="2468148" cy="523220"/>
+          </a:xfrm>
+          <a:prstGeom prst="rect">
+            <a:avLst/>
+          </a:prstGeom>
+          <a:noFill/>
+        </p:spPr>
+        <p:txBody>
+          <a:bodyPr wrap="square" rtlCol="0">
+            <a:spAutoFit/>
+          </a:bodyPr>
+          <a:lstStyle/>
+          <a:p>
+            <a:r>
+              <a:rPr kumimoji="1" lang="ja-JP" altLang="en-US" sz="1400" dirty="0"/>
+              <a:t>エンジンスロットルの開度</a:t>
+            </a:r>
+            <a:endParaRPr kumimoji="1" lang="en-US" altLang="ja-JP" sz="1400" dirty="0"/>
+          </a:p>
+          <a:p>
+            <a:r>
+              <a:rPr kumimoji="1" lang="ja-JP" altLang="en-US" sz="1400" dirty="0"/>
+              <a:t>＝圧縮機下流の流路絞り</a:t>
+            </a:r>
+          </a:p>
+        </p:txBody>
+      </p:sp>
+      <p:sp>
+        <p:nvSpPr>
+          <p:cNvPr id="24" name="乗算記号 23">
+            <a:extLst>
+              <a:ext uri="{FF2B5EF4-FFF2-40B4-BE49-F238E27FC236}">
+                <a16:creationId xmlns:a16="http://schemas.microsoft.com/office/drawing/2014/main" id="{9758324E-EE70-4B70-98F4-1049A99A02CB}"/>
+              </a:ext>
+            </a:extLst>
+          </p:cNvPr>
+          <p:cNvSpPr/>
+          <p:nvPr/>
+        </p:nvSpPr>
+        <p:spPr>
+          <a:xfrm>
+            <a:off x="4675180" y="3954535"/>
+            <a:ext cx="338552" cy="323712"/>
+          </a:xfrm>
+          <a:prstGeom prst="mathMultiply">
+            <a:avLst>
+              <a:gd name="adj1" fmla="val 10765"/>
+            </a:avLst>
+          </a:prstGeom>
+          <a:solidFill>
+            <a:srgbClr val="00B050"/>
+          </a:solidFill>
+          <a:ln>
+            <a:solidFill>
+              <a:srgbClr val="00B050"/>
+            </a:solidFill>
+          </a:ln>
+        </p:spPr>
+        <p:style>
+          <a:lnRef idx="2">
+            <a:schemeClr val="dk1">
+              <a:shade val="50000"/>
+            </a:schemeClr>
+          </a:lnRef>
+          <a:fillRef idx="1">
+            <a:schemeClr val="dk1"/>
+          </a:fillRef>
+          <a:effectRef idx="0">
+            <a:schemeClr val="dk1"/>
+          </a:effectRef>
+          <a:fontRef idx="minor">
+            <a:schemeClr val="lt1"/>
+          </a:fontRef>
+        </p:style>
+        <p:txBody>
+          <a:bodyPr rtlCol="0" anchor="ctr"/>
+          <a:lstStyle/>
+          <a:p>
+            <a:pPr algn="ctr"/>
+            <a:endParaRPr kumimoji="1" lang="ja-JP" altLang="en-US"/>
+          </a:p>
+        </p:txBody>
+      </p:sp>
+      <p:sp>
+        <p:nvSpPr>
+          <p:cNvPr id="26" name="乗算記号 25">
+            <a:extLst>
+              <a:ext uri="{FF2B5EF4-FFF2-40B4-BE49-F238E27FC236}">
+                <a16:creationId xmlns:a16="http://schemas.microsoft.com/office/drawing/2014/main" id="{CC994E05-19EF-41E7-8C08-D75413A294A2}"/>
+              </a:ext>
+            </a:extLst>
+          </p:cNvPr>
+          <p:cNvSpPr/>
+          <p:nvPr/>
+        </p:nvSpPr>
+        <p:spPr>
+          <a:xfrm>
+            <a:off x="5007434" y="4509358"/>
+            <a:ext cx="338552" cy="323712"/>
+          </a:xfrm>
+          <a:prstGeom prst="mathMultiply">
+            <a:avLst>
+              <a:gd name="adj1" fmla="val 10765"/>
+            </a:avLst>
+          </a:prstGeom>
+          <a:solidFill>
+            <a:srgbClr val="00B050"/>
+          </a:solidFill>
+          <a:ln>
+            <a:solidFill>
+              <a:srgbClr val="00B050"/>
+            </a:solidFill>
+          </a:ln>
+        </p:spPr>
+        <p:style>
+          <a:lnRef idx="2">
+            <a:schemeClr val="dk1">
+              <a:shade val="50000"/>
+            </a:schemeClr>
+          </a:lnRef>
+          <a:fillRef idx="1">
+            <a:schemeClr val="dk1"/>
+          </a:fillRef>
+          <a:effectRef idx="0">
+            <a:schemeClr val="dk1"/>
+          </a:effectRef>
+          <a:fontRef idx="minor">
+            <a:schemeClr val="lt1"/>
+          </a:fontRef>
+        </p:style>
+        <p:txBody>
+          <a:bodyPr rtlCol="0" anchor="ctr"/>
+          <a:lstStyle/>
+          <a:p>
+            <a:pPr algn="ctr"/>
+            <a:endParaRPr kumimoji="1" lang="ja-JP" altLang="en-US"/>
+          </a:p>
+        </p:txBody>
+      </p:sp>
+      <p:sp>
+        <p:nvSpPr>
+          <p:cNvPr id="27" name="テキスト ボックス 26">
+            <a:extLst>
+              <a:ext uri="{FF2B5EF4-FFF2-40B4-BE49-F238E27FC236}">
+                <a16:creationId xmlns:a16="http://schemas.microsoft.com/office/drawing/2014/main" id="{04958308-3A37-4107-9F6C-94792DB1ACF1}"/>
+              </a:ext>
+            </a:extLst>
+          </p:cNvPr>
+          <p:cNvSpPr txBox="1"/>
+          <p:nvPr/>
+        </p:nvSpPr>
+        <p:spPr>
+          <a:xfrm>
+            <a:off x="3666125" y="3253595"/>
+            <a:ext cx="1067950" cy="402156"/>
+          </a:xfrm>
+          <a:prstGeom prst="rect">
+            <a:avLst/>
+          </a:prstGeom>
+          <a:solidFill>
+            <a:schemeClr val="accent6">
+              <a:lumMod val="40000"/>
+              <a:lumOff val="60000"/>
+            </a:schemeClr>
+          </a:solidFill>
+          <a:ln>
+            <a:solidFill>
+              <a:schemeClr val="tx1"/>
+            </a:solidFill>
+          </a:ln>
+        </p:spPr>
+        <p:txBody>
+          <a:bodyPr wrap="square" rtlCol="0">
+            <a:noAutofit/>
+          </a:bodyPr>
+          <a:lstStyle/>
+          <a:p>
+            <a:r>
+              <a:rPr lang="ja-JP" altLang="en-US" sz="1100" dirty="0">
+                <a:latin typeface="Arial" panose="020B0604020202020204" pitchFamily="34" charset="0"/>
+                <a:cs typeface="Arial" panose="020B0604020202020204" pitchFamily="34" charset="0"/>
+              </a:rPr>
+              <a:t>絞りを開く前の作動点</a:t>
+            </a:r>
+            <a:endParaRPr lang="en-US" altLang="ja-JP" sz="1100" dirty="0">
+              <a:latin typeface="Arial" panose="020B0604020202020204" pitchFamily="34" charset="0"/>
+              <a:cs typeface="Arial" panose="020B0604020202020204" pitchFamily="34" charset="0"/>
+            </a:endParaRPr>
+          </a:p>
+        </p:txBody>
+      </p:sp>
+      <p:sp>
+        <p:nvSpPr>
+          <p:cNvPr id="28" name="テキスト ボックス 27">
+            <a:extLst>
+              <a:ext uri="{FF2B5EF4-FFF2-40B4-BE49-F238E27FC236}">
+                <a16:creationId xmlns:a16="http://schemas.microsoft.com/office/drawing/2014/main" id="{B01BD0CA-D796-4C8E-86D3-BB4B519D38CB}"/>
+              </a:ext>
+            </a:extLst>
+          </p:cNvPr>
+          <p:cNvSpPr txBox="1"/>
+          <p:nvPr/>
+        </p:nvSpPr>
+        <p:spPr>
+          <a:xfrm>
+            <a:off x="4473459" y="5139730"/>
+            <a:ext cx="1067950" cy="402156"/>
+          </a:xfrm>
+          <a:prstGeom prst="rect">
+            <a:avLst/>
+          </a:prstGeom>
+          <a:solidFill>
+            <a:schemeClr val="accent6">
+              <a:lumMod val="40000"/>
+              <a:lumOff val="60000"/>
+            </a:schemeClr>
+          </a:solidFill>
+          <a:ln>
+            <a:solidFill>
+              <a:schemeClr val="tx1"/>
+            </a:solidFill>
+          </a:ln>
+        </p:spPr>
+        <p:txBody>
+          <a:bodyPr wrap="square" rtlCol="0">
+            <a:noAutofit/>
+          </a:bodyPr>
+          <a:lstStyle/>
+          <a:p>
+            <a:r>
+              <a:rPr lang="ja-JP" altLang="en-US" sz="1100" dirty="0">
+                <a:latin typeface="Arial" panose="020B0604020202020204" pitchFamily="34" charset="0"/>
+                <a:cs typeface="Arial" panose="020B0604020202020204" pitchFamily="34" charset="0"/>
+              </a:rPr>
+              <a:t>絞りを開いた直後の作動点</a:t>
+            </a:r>
+            <a:endParaRPr lang="en-US" altLang="ja-JP" sz="1100" dirty="0">
+              <a:latin typeface="Arial" panose="020B0604020202020204" pitchFamily="34" charset="0"/>
+              <a:cs typeface="Arial" panose="020B0604020202020204" pitchFamily="34" charset="0"/>
+            </a:endParaRPr>
+          </a:p>
+        </p:txBody>
+      </p:sp>
+      <p:cxnSp>
+        <p:nvCxnSpPr>
+          <p:cNvPr id="29" name="直線コネクタ 28">
+            <a:extLst>
+              <a:ext uri="{FF2B5EF4-FFF2-40B4-BE49-F238E27FC236}">
+                <a16:creationId xmlns:a16="http://schemas.microsoft.com/office/drawing/2014/main" id="{9E9E6C45-9639-4868-A8FC-41171E47FF5B}"/>
+              </a:ext>
+            </a:extLst>
+          </p:cNvPr>
+          <p:cNvCxnSpPr>
+            <a:cxnSpLocks/>
+            <a:stCxn id="27" idx="2"/>
+            <a:endCxn id="24" idx="0"/>
+          </p:cNvCxnSpPr>
+          <p:nvPr/>
+        </p:nvCxnSpPr>
+        <p:spPr>
+          <a:xfrm>
+            <a:off x="4200100" y="3655751"/>
+            <a:ext cx="556392" cy="376532"/>
+          </a:xfrm>
+          <a:prstGeom prst="line">
+            <a:avLst/>
+          </a:prstGeom>
+          <a:ln w="28575">
+            <a:solidFill>
+              <a:schemeClr val="accent2">
+                <a:lumMod val="75000"/>
+              </a:schemeClr>
+            </a:solidFill>
+            <a:headEnd type="none" w="med" len="med"/>
+            <a:tailEnd type="none" w="med" len="med"/>
+          </a:ln>
+        </p:spPr>
+        <p:style>
+          <a:lnRef idx="1">
+            <a:schemeClr val="accent1"/>
+          </a:lnRef>
+          <a:fillRef idx="0">
+            <a:schemeClr val="accent1"/>
+          </a:fillRef>
+          <a:effectRef idx="0">
+            <a:schemeClr val="accent1"/>
+          </a:effectRef>
+          <a:fontRef idx="minor">
+            <a:schemeClr val="tx1"/>
+          </a:fontRef>
+        </p:style>
+      </p:cxnSp>
+      <p:cxnSp>
+        <p:nvCxnSpPr>
+          <p:cNvPr id="32" name="直線コネクタ 31">
+            <a:extLst>
+              <a:ext uri="{FF2B5EF4-FFF2-40B4-BE49-F238E27FC236}">
+                <a16:creationId xmlns:a16="http://schemas.microsoft.com/office/drawing/2014/main" id="{5B2F19B9-D7FD-41BD-8141-5538E9550C9B}"/>
+              </a:ext>
+            </a:extLst>
+          </p:cNvPr>
+          <p:cNvCxnSpPr>
+            <a:cxnSpLocks/>
+            <a:stCxn id="26" idx="3"/>
+            <a:endCxn id="28" idx="0"/>
+          </p:cNvCxnSpPr>
+          <p:nvPr/>
+        </p:nvCxnSpPr>
+        <p:spPr>
+          <a:xfrm flipH="1">
+            <a:off x="5007434" y="4755322"/>
+            <a:ext cx="81312" cy="384408"/>
+          </a:xfrm>
+          <a:prstGeom prst="line">
+            <a:avLst/>
+          </a:prstGeom>
+          <a:ln w="28575">
+            <a:solidFill>
+              <a:schemeClr val="accent2">
+                <a:lumMod val="75000"/>
+              </a:schemeClr>
+            </a:solidFill>
+            <a:headEnd type="none" w="med" len="med"/>
+            <a:tailEnd type="none" w="med" len="med"/>
+          </a:ln>
+        </p:spPr>
+        <p:style>
+          <a:lnRef idx="1">
+            <a:schemeClr val="accent1"/>
+          </a:lnRef>
+          <a:fillRef idx="0">
+            <a:schemeClr val="accent1"/>
+          </a:fillRef>
+          <a:effectRef idx="0">
+            <a:schemeClr val="accent1"/>
+          </a:effectRef>
+          <a:fontRef idx="minor">
+            <a:schemeClr val="tx1"/>
+          </a:fontRef>
+        </p:style>
+      </p:cxnSp>
+      <p:sp>
+        <p:nvSpPr>
+          <p:cNvPr id="36" name="フリーフォーム: 図形 35">
+            <a:extLst>
+              <a:ext uri="{FF2B5EF4-FFF2-40B4-BE49-F238E27FC236}">
+                <a16:creationId xmlns:a16="http://schemas.microsoft.com/office/drawing/2014/main" id="{7D821810-FFDD-4D81-8AF4-810FFD599716}"/>
+              </a:ext>
+            </a:extLst>
+          </p:cNvPr>
+          <p:cNvSpPr/>
+          <p:nvPr/>
+        </p:nvSpPr>
+        <p:spPr>
+          <a:xfrm>
+            <a:off x="5013004" y="3964389"/>
+            <a:ext cx="337195" cy="614328"/>
+          </a:xfrm>
+          <a:custGeom>
+            <a:avLst/>
+            <a:gdLst>
+              <a:gd name="connsiteX0" fmla="*/ 0 w 278674"/>
+              <a:gd name="connsiteY0" fmla="*/ 0 h 461554"/>
+              <a:gd name="connsiteX1" fmla="*/ 148045 w 278674"/>
+              <a:gd name="connsiteY1" fmla="*/ 130628 h 461554"/>
+              <a:gd name="connsiteX2" fmla="*/ 226423 w 278674"/>
+              <a:gd name="connsiteY2" fmla="*/ 287383 h 461554"/>
+              <a:gd name="connsiteX3" fmla="*/ 278674 w 278674"/>
+              <a:gd name="connsiteY3" fmla="*/ 461554 h 461554"/>
+            </a:gdLst>
+            <a:ahLst/>
+            <a:cxnLst>
+              <a:cxn ang="0">
+                <a:pos x="connsiteX0" y="connsiteY0"/>
+              </a:cxn>
+              <a:cxn ang="0">
+                <a:pos x="connsiteX1" y="connsiteY1"/>
+              </a:cxn>
+              <a:cxn ang="0">
+                <a:pos x="connsiteX2" y="connsiteY2"/>
+              </a:cxn>
+              <a:cxn ang="0">
+                <a:pos x="connsiteX3" y="connsiteY3"/>
+              </a:cxn>
+            </a:cxnLst>
+            <a:rect l="l" t="t" r="r" b="b"/>
+            <a:pathLst>
+              <a:path w="278674" h="461554">
+                <a:moveTo>
+                  <a:pt x="0" y="0"/>
+                </a:moveTo>
+                <a:cubicBezTo>
+                  <a:pt x="55154" y="41365"/>
+                  <a:pt x="110308" y="82731"/>
+                  <a:pt x="148045" y="130628"/>
+                </a:cubicBezTo>
+                <a:cubicBezTo>
+                  <a:pt x="185782" y="178525"/>
+                  <a:pt x="204652" y="232229"/>
+                  <a:pt x="226423" y="287383"/>
+                </a:cubicBezTo>
+                <a:cubicBezTo>
+                  <a:pt x="248194" y="342537"/>
+                  <a:pt x="263434" y="402045"/>
+                  <a:pt x="278674" y="461554"/>
+                </a:cubicBezTo>
+              </a:path>
+            </a:pathLst>
+          </a:custGeom>
+          <a:noFill/>
+          <a:ln w="28575">
+            <a:solidFill>
+              <a:srgbClr val="00B050"/>
+            </a:solidFill>
+            <a:headEnd type="none" w="med" len="med"/>
+            <a:tailEnd type="arrow" w="med" len="med"/>
+          </a:ln>
+        </p:spPr>
+        <p:style>
+          <a:lnRef idx="2">
+            <a:schemeClr val="accent1">
+              <a:shade val="50000"/>
+            </a:schemeClr>
+          </a:lnRef>
+          <a:fillRef idx="1">
+            <a:schemeClr val="accent1"/>
+          </a:fillRef>
+          <a:effectRef idx="0">
+            <a:schemeClr val="accent1"/>
+          </a:effectRef>
+          <a:fontRef idx="minor">
+            <a:schemeClr val="lt1"/>
+          </a:fontRef>
+        </p:style>
+        <p:txBody>
+          <a:bodyPr rtlCol="0" anchor="ctr"/>
+          <a:lstStyle/>
+          <a:p>
+            <a:pPr algn="ctr"/>
+            <a:endParaRPr kumimoji="1" lang="ja-JP" altLang="en-US"/>
+          </a:p>
+        </p:txBody>
+      </p:sp>
+      <p:sp>
+        <p:nvSpPr>
+          <p:cNvPr id="37" name="テキスト ボックス 36">
+            <a:extLst>
+              <a:ext uri="{FF2B5EF4-FFF2-40B4-BE49-F238E27FC236}">
+                <a16:creationId xmlns:a16="http://schemas.microsoft.com/office/drawing/2014/main" id="{F773180B-3100-4372-8FFD-CD40BCC9957B}"/>
+              </a:ext>
+            </a:extLst>
+          </p:cNvPr>
+          <p:cNvSpPr txBox="1"/>
+          <p:nvPr/>
+        </p:nvSpPr>
+        <p:spPr>
+          <a:xfrm>
+            <a:off x="5803356" y="3436211"/>
+            <a:ext cx="2159754" cy="332361"/>
+          </a:xfrm>
+          <a:prstGeom prst="rect">
+            <a:avLst/>
+          </a:prstGeom>
+          <a:solidFill>
+            <a:srgbClr val="FFFF00"/>
+          </a:solidFill>
+          <a:ln>
+            <a:solidFill>
+              <a:schemeClr val="tx1"/>
+            </a:solidFill>
+          </a:ln>
+        </p:spPr>
+        <p:txBody>
+          <a:bodyPr wrap="square" rtlCol="0">
+            <a:noAutofit/>
+          </a:bodyPr>
+          <a:lstStyle/>
+          <a:p>
+            <a:r>
+              <a:rPr lang="ja-JP" altLang="en-US" sz="1100" dirty="0">
+                <a:latin typeface="Arial" panose="020B0604020202020204" pitchFamily="34" charset="0"/>
+                <a:cs typeface="Arial" panose="020B0604020202020204" pitchFamily="34" charset="0"/>
+              </a:rPr>
+              <a:t>回転数はまだ上昇していない。</a:t>
+            </a:r>
+            <a:endParaRPr lang="en-US" altLang="ja-JP" sz="1100" dirty="0">
+              <a:latin typeface="Arial" panose="020B0604020202020204" pitchFamily="34" charset="0"/>
+              <a:cs typeface="Arial" panose="020B0604020202020204" pitchFamily="34" charset="0"/>
+            </a:endParaRPr>
+          </a:p>
+        </p:txBody>
+      </p:sp>
+      <p:sp>
+        <p:nvSpPr>
+          <p:cNvPr id="41" name="テキスト ボックス 40">
+            <a:extLst>
+              <a:ext uri="{FF2B5EF4-FFF2-40B4-BE49-F238E27FC236}">
+                <a16:creationId xmlns:a16="http://schemas.microsoft.com/office/drawing/2014/main" id="{B929ABE0-6CC1-40DD-BC0B-7CCD305C9F7E}"/>
+              </a:ext>
+            </a:extLst>
+          </p:cNvPr>
+          <p:cNvSpPr txBox="1"/>
+          <p:nvPr/>
+        </p:nvSpPr>
+        <p:spPr>
+          <a:xfrm>
+            <a:off x="5812926" y="2616750"/>
+            <a:ext cx="2159754" cy="452289"/>
+          </a:xfrm>
+          <a:prstGeom prst="rect">
+            <a:avLst/>
+          </a:prstGeom>
+          <a:solidFill>
+            <a:srgbClr val="FFFF00"/>
+          </a:solidFill>
+          <a:ln>
+            <a:solidFill>
+              <a:schemeClr val="tx1"/>
+            </a:solidFill>
+          </a:ln>
+        </p:spPr>
+        <p:txBody>
+          <a:bodyPr wrap="square" rtlCol="0">
+            <a:noAutofit/>
+          </a:bodyPr>
+          <a:lstStyle/>
+          <a:p>
+            <a:r>
+              <a:rPr lang="ja-JP" altLang="en-US" sz="1100" dirty="0">
+                <a:latin typeface="Arial" panose="020B0604020202020204" pitchFamily="34" charset="0"/>
+                <a:cs typeface="Arial" panose="020B0604020202020204" pitchFamily="34" charset="0"/>
+              </a:rPr>
+              <a:t>下流の絞りが減り、より多くの流量が流れるようになる。</a:t>
+            </a:r>
+            <a:endParaRPr lang="en-US" altLang="ja-JP" sz="1100" dirty="0">
+              <a:latin typeface="Arial" panose="020B0604020202020204" pitchFamily="34" charset="0"/>
+              <a:cs typeface="Arial" panose="020B0604020202020204" pitchFamily="34" charset="0"/>
+            </a:endParaRPr>
+          </a:p>
+        </p:txBody>
+      </p:sp>
+      <p:sp>
+        <p:nvSpPr>
+          <p:cNvPr id="42" name="テキスト ボックス 41">
+            <a:extLst>
+              <a:ext uri="{FF2B5EF4-FFF2-40B4-BE49-F238E27FC236}">
+                <a16:creationId xmlns:a16="http://schemas.microsoft.com/office/drawing/2014/main" id="{300174C1-4D3A-4AB5-B623-87E8307DEED1}"/>
+              </a:ext>
+            </a:extLst>
+          </p:cNvPr>
+          <p:cNvSpPr txBox="1"/>
+          <p:nvPr/>
+        </p:nvSpPr>
+        <p:spPr>
+          <a:xfrm>
+            <a:off x="5803356" y="4151967"/>
+            <a:ext cx="2159754" cy="467371"/>
+          </a:xfrm>
+          <a:prstGeom prst="rect">
+            <a:avLst/>
+          </a:prstGeom>
+          <a:solidFill>
+            <a:srgbClr val="FFFF00"/>
+          </a:solidFill>
+          <a:ln>
+            <a:solidFill>
+              <a:schemeClr val="tx1"/>
+            </a:solidFill>
+          </a:ln>
+        </p:spPr>
+        <p:txBody>
+          <a:bodyPr wrap="square" rtlCol="0">
+            <a:noAutofit/>
+          </a:bodyPr>
+          <a:lstStyle/>
+          <a:p>
+            <a:r>
+              <a:rPr lang="ja-JP" altLang="en-US" sz="1100" dirty="0">
+                <a:latin typeface="Arial" panose="020B0604020202020204" pitchFamily="34" charset="0"/>
+                <a:cs typeface="Arial" panose="020B0604020202020204" pitchFamily="34" charset="0"/>
+              </a:rPr>
+              <a:t>等回転線上を、作動点が流量が増えるように移動</a:t>
+            </a:r>
+            <a:endParaRPr lang="en-US" altLang="ja-JP" sz="1100" dirty="0">
+              <a:latin typeface="Arial" panose="020B0604020202020204" pitchFamily="34" charset="0"/>
+              <a:cs typeface="Arial" panose="020B0604020202020204" pitchFamily="34" charset="0"/>
+            </a:endParaRPr>
+          </a:p>
+        </p:txBody>
+      </p:sp>
+      <p:cxnSp>
+        <p:nvCxnSpPr>
+          <p:cNvPr id="44" name="直線矢印コネクタ 43">
+            <a:extLst>
+              <a:ext uri="{FF2B5EF4-FFF2-40B4-BE49-F238E27FC236}">
+                <a16:creationId xmlns:a16="http://schemas.microsoft.com/office/drawing/2014/main" id="{04E2A0BF-1DA0-4463-96F2-DB05DDEA4DD0}"/>
+              </a:ext>
+            </a:extLst>
+          </p:cNvPr>
+          <p:cNvCxnSpPr>
+            <a:cxnSpLocks/>
+            <a:stCxn id="41" idx="2"/>
+            <a:endCxn id="37" idx="0"/>
+          </p:cNvCxnSpPr>
+          <p:nvPr/>
+        </p:nvCxnSpPr>
+        <p:spPr>
+          <a:xfrm flipH="1">
+            <a:off x="6883233" y="3069039"/>
+            <a:ext cx="9570" cy="367172"/>
+          </a:xfrm>
+          <a:prstGeom prst="straightConnector1">
+            <a:avLst/>
+          </a:prstGeom>
+          <a:ln w="57150">
+            <a:solidFill>
+              <a:schemeClr val="tx1"/>
+            </a:solidFill>
+            <a:tailEnd type="triangle"/>
+          </a:ln>
+        </p:spPr>
+        <p:style>
+          <a:lnRef idx="1">
+            <a:schemeClr val="accent1"/>
+          </a:lnRef>
+          <a:fillRef idx="0">
+            <a:schemeClr val="accent1"/>
+          </a:fillRef>
+          <a:effectRef idx="0">
+            <a:schemeClr val="accent1"/>
+          </a:effectRef>
+          <a:fontRef idx="minor">
+            <a:schemeClr val="tx1"/>
+          </a:fontRef>
+        </p:style>
+      </p:cxnSp>
+      <p:cxnSp>
+        <p:nvCxnSpPr>
+          <p:cNvPr id="46" name="直線矢印コネクタ 45">
+            <a:extLst>
+              <a:ext uri="{FF2B5EF4-FFF2-40B4-BE49-F238E27FC236}">
+                <a16:creationId xmlns:a16="http://schemas.microsoft.com/office/drawing/2014/main" id="{FBACB1BA-1F04-4B01-A0E1-A2A0680FFE9A}"/>
+              </a:ext>
+            </a:extLst>
+          </p:cNvPr>
+          <p:cNvCxnSpPr>
+            <a:cxnSpLocks/>
+            <a:stCxn id="37" idx="2"/>
+            <a:endCxn id="42" idx="0"/>
+          </p:cNvCxnSpPr>
+          <p:nvPr/>
+        </p:nvCxnSpPr>
+        <p:spPr>
+          <a:xfrm>
+            <a:off x="6883233" y="3768572"/>
+            <a:ext cx="0" cy="383395"/>
+          </a:xfrm>
+          <a:prstGeom prst="straightConnector1">
+            <a:avLst/>
+          </a:prstGeom>
+          <a:ln w="57150">
+            <a:solidFill>
+              <a:schemeClr val="tx1"/>
+            </a:solidFill>
+            <a:tailEnd type="triangle"/>
+          </a:ln>
+        </p:spPr>
+        <p:style>
+          <a:lnRef idx="1">
+            <a:schemeClr val="accent1"/>
+          </a:lnRef>
+          <a:fillRef idx="0">
+            <a:schemeClr val="accent1"/>
+          </a:fillRef>
+          <a:effectRef idx="0">
+            <a:schemeClr val="accent1"/>
+          </a:effectRef>
+          <a:fontRef idx="minor">
+            <a:schemeClr val="tx1"/>
+          </a:fontRef>
+        </p:style>
+      </p:cxnSp>
+      <p:sp>
+        <p:nvSpPr>
+          <p:cNvPr id="53" name="テキスト ボックス 52">
+            <a:extLst>
+              <a:ext uri="{FF2B5EF4-FFF2-40B4-BE49-F238E27FC236}">
+                <a16:creationId xmlns:a16="http://schemas.microsoft.com/office/drawing/2014/main" id="{E00E0920-E05F-4007-961A-E61F37198449}"/>
+              </a:ext>
+            </a:extLst>
+          </p:cNvPr>
+          <p:cNvSpPr txBox="1"/>
+          <p:nvPr/>
+        </p:nvSpPr>
+        <p:spPr>
+          <a:xfrm>
+            <a:off x="5803355" y="1978238"/>
+            <a:ext cx="2159754" cy="308920"/>
+          </a:xfrm>
+          <a:prstGeom prst="rect">
+            <a:avLst/>
+          </a:prstGeom>
+          <a:solidFill>
+            <a:srgbClr val="FFFF00"/>
+          </a:solidFill>
+          <a:ln>
+            <a:solidFill>
+              <a:schemeClr val="tx1"/>
+            </a:solidFill>
+          </a:ln>
+        </p:spPr>
+        <p:txBody>
+          <a:bodyPr wrap="square" rtlCol="0">
+            <a:noAutofit/>
+          </a:bodyPr>
+          <a:lstStyle/>
+          <a:p>
+            <a:r>
+              <a:rPr lang="ja-JP" altLang="en-US" sz="1100" dirty="0">
+                <a:latin typeface="Arial" panose="020B0604020202020204" pitchFamily="34" charset="0"/>
+                <a:cs typeface="Arial" panose="020B0604020202020204" pitchFamily="34" charset="0"/>
+              </a:rPr>
+              <a:t>急加速操作</a:t>
+            </a:r>
+            <a:endParaRPr lang="en-US" altLang="ja-JP" sz="1100" dirty="0">
+              <a:latin typeface="Arial" panose="020B0604020202020204" pitchFamily="34" charset="0"/>
+              <a:cs typeface="Arial" panose="020B0604020202020204" pitchFamily="34" charset="0"/>
+            </a:endParaRPr>
+          </a:p>
+        </p:txBody>
+      </p:sp>
+      <p:cxnSp>
+        <p:nvCxnSpPr>
+          <p:cNvPr id="54" name="直線矢印コネクタ 53">
+            <a:extLst>
+              <a:ext uri="{FF2B5EF4-FFF2-40B4-BE49-F238E27FC236}">
+                <a16:creationId xmlns:a16="http://schemas.microsoft.com/office/drawing/2014/main" id="{F4999565-356D-4450-BAA8-DBB665DD3E92}"/>
+              </a:ext>
+            </a:extLst>
+          </p:cNvPr>
+          <p:cNvCxnSpPr>
+            <a:cxnSpLocks/>
+            <a:stCxn id="53" idx="2"/>
+            <a:endCxn id="41" idx="0"/>
+          </p:cNvCxnSpPr>
+          <p:nvPr/>
+        </p:nvCxnSpPr>
+        <p:spPr>
+          <a:xfrm>
+            <a:off x="6883232" y="2287158"/>
+            <a:ext cx="9571" cy="329592"/>
+          </a:xfrm>
+          <a:prstGeom prst="straightConnector1">
+            <a:avLst/>
+          </a:prstGeom>
+          <a:ln w="57150">
+            <a:solidFill>
+              <a:schemeClr val="tx1"/>
+            </a:solidFill>
+            <a:tailEnd type="triangle"/>
+          </a:ln>
+        </p:spPr>
+        <p:style>
+          <a:lnRef idx="1">
+            <a:schemeClr val="accent1"/>
+          </a:lnRef>
+          <a:fillRef idx="0">
+            <a:schemeClr val="accent1"/>
+          </a:fillRef>
+          <a:effectRef idx="0">
+            <a:schemeClr val="accent1"/>
+          </a:effectRef>
+          <a:fontRef idx="minor">
+            <a:schemeClr val="tx1"/>
+          </a:fontRef>
+        </p:style>
+      </p:cxnSp>
+      <p:sp>
+        <p:nvSpPr>
+          <p:cNvPr id="59" name="テキスト ボックス 58">
+            <a:extLst>
+              <a:ext uri="{FF2B5EF4-FFF2-40B4-BE49-F238E27FC236}">
+                <a16:creationId xmlns:a16="http://schemas.microsoft.com/office/drawing/2014/main" id="{64BBF5F5-BE61-4F01-A48B-07A758A33794}"/>
+              </a:ext>
+            </a:extLst>
+          </p:cNvPr>
+          <p:cNvSpPr txBox="1"/>
+          <p:nvPr/>
+        </p:nvSpPr>
+        <p:spPr>
+          <a:xfrm>
+            <a:off x="5812926" y="4871607"/>
+            <a:ext cx="2159754" cy="268124"/>
+          </a:xfrm>
+          <a:prstGeom prst="rect">
+            <a:avLst/>
+          </a:prstGeom>
+          <a:solidFill>
+            <a:srgbClr val="FFFF00"/>
+          </a:solidFill>
+          <a:ln>
+            <a:solidFill>
+              <a:schemeClr val="tx1"/>
+            </a:solidFill>
+          </a:ln>
+        </p:spPr>
+        <p:txBody>
+          <a:bodyPr wrap="square" rtlCol="0">
+            <a:noAutofit/>
+          </a:bodyPr>
+          <a:lstStyle/>
+          <a:p>
+            <a:r>
+              <a:rPr lang="ja-JP" altLang="en-US" sz="1100" dirty="0">
+                <a:latin typeface="Arial" panose="020B0604020202020204" pitchFamily="34" charset="0"/>
+                <a:cs typeface="Arial" panose="020B0604020202020204" pitchFamily="34" charset="0"/>
+              </a:rPr>
+              <a:t>一時的に圧力比低下</a:t>
+            </a:r>
+            <a:endParaRPr lang="en-US" altLang="ja-JP" sz="1100" dirty="0">
+              <a:latin typeface="Arial" panose="020B0604020202020204" pitchFamily="34" charset="0"/>
+              <a:cs typeface="Arial" panose="020B0604020202020204" pitchFamily="34" charset="0"/>
+            </a:endParaRPr>
+          </a:p>
+        </p:txBody>
+      </p:sp>
+      <p:cxnSp>
+        <p:nvCxnSpPr>
+          <p:cNvPr id="63" name="直線矢印コネクタ 62">
+            <a:extLst>
+              <a:ext uri="{FF2B5EF4-FFF2-40B4-BE49-F238E27FC236}">
+                <a16:creationId xmlns:a16="http://schemas.microsoft.com/office/drawing/2014/main" id="{E8B71692-8E27-41A2-9AB2-96F8A97D086C}"/>
+              </a:ext>
+            </a:extLst>
+          </p:cNvPr>
+          <p:cNvCxnSpPr>
+            <a:cxnSpLocks/>
+            <a:stCxn id="42" idx="2"/>
+            <a:endCxn id="59" idx="0"/>
+          </p:cNvCxnSpPr>
+          <p:nvPr/>
+        </p:nvCxnSpPr>
+        <p:spPr>
+          <a:xfrm>
+            <a:off x="6883233" y="4619338"/>
+            <a:ext cx="9570" cy="252269"/>
+          </a:xfrm>
+          <a:prstGeom prst="straightConnector1">
+            <a:avLst/>
+          </a:prstGeom>
+          <a:ln w="57150">
+            <a:solidFill>
+              <a:schemeClr val="tx1"/>
+            </a:solidFill>
+            <a:tailEnd type="triangle"/>
+          </a:ln>
+        </p:spPr>
+        <p:style>
+          <a:lnRef idx="1">
+            <a:schemeClr val="accent1"/>
+          </a:lnRef>
+          <a:fillRef idx="0">
+            <a:schemeClr val="accent1"/>
+          </a:fillRef>
+          <a:effectRef idx="0">
+            <a:schemeClr val="accent1"/>
+          </a:effectRef>
+          <a:fontRef idx="minor">
+            <a:schemeClr val="tx1"/>
+          </a:fontRef>
+        </p:style>
+      </p:cxnSp>
+    </p:spTree>
+    <p:extLst>
+      <p:ext uri="{BB962C8B-B14F-4D97-AF65-F5344CB8AC3E}">
+        <p14:creationId xmlns:p14="http://schemas.microsoft.com/office/powerpoint/2010/main" val="4120490744"/>
+      </p:ext>
+    </p:extLst>
+  </p:cSld>
+  <p:clrMapOvr>
+    <a:masterClrMapping/>
+  </p:clrMapOvr>
+</p:sld>
+</file>
+
 <file path=ppt/theme/theme1.xml><?xml version="1.0" encoding="utf-8"?>
 <a:theme xmlns:a="http://schemas.openxmlformats.org/drawingml/2006/main" name="Office テーマ">
   <a:themeElements>

--- a/docs/Examples/Engines/Transient/O360-turbocharged-vs-none/makeFig_O360-turbocharged-vs-none.pptx
+++ b/docs/Examples/Engines/Transient/O360-turbocharged-vs-none/makeFig_O360-turbocharged-vs-none.pptx
@@ -276,7 +276,7 @@
           <a:p>
             <a:fld id="{EF01AC3F-5B2B-4265-BEF4-31326588BC24}" type="datetimeFigureOut">
               <a:rPr kumimoji="1" lang="ja-JP" altLang="en-US" smtClean="0"/>
-              <a:t>2021/9/28</a:t>
+              <a:t>2021/10/3</a:t>
             </a:fld>
             <a:endParaRPr kumimoji="1" lang="ja-JP" altLang="en-US"/>
           </a:p>
@@ -506,7 +506,7 @@
           <a:p>
             <a:fld id="{EF01AC3F-5B2B-4265-BEF4-31326588BC24}" type="datetimeFigureOut">
               <a:rPr kumimoji="1" lang="ja-JP" altLang="en-US" smtClean="0"/>
-              <a:t>2021/9/28</a:t>
+              <a:t>2021/10/3</a:t>
             </a:fld>
             <a:endParaRPr kumimoji="1" lang="ja-JP" altLang="en-US"/>
           </a:p>
@@ -746,7 +746,7 @@
           <a:p>
             <a:fld id="{EF01AC3F-5B2B-4265-BEF4-31326588BC24}" type="datetimeFigureOut">
               <a:rPr kumimoji="1" lang="ja-JP" altLang="en-US" smtClean="0"/>
-              <a:t>2021/9/28</a:t>
+              <a:t>2021/10/3</a:t>
             </a:fld>
             <a:endParaRPr kumimoji="1" lang="ja-JP" altLang="en-US"/>
           </a:p>
@@ -1066,7 +1066,7 @@
           <a:p>
             <a:fld id="{EF01AC3F-5B2B-4265-BEF4-31326588BC24}" type="datetimeFigureOut">
               <a:rPr kumimoji="1" lang="ja-JP" altLang="en-US" smtClean="0"/>
-              <a:t>2021/9/28</a:t>
+              <a:t>2021/10/3</a:t>
             </a:fld>
             <a:endParaRPr kumimoji="1" lang="ja-JP" altLang="en-US"/>
           </a:p>
@@ -1341,7 +1341,7 @@
           <a:p>
             <a:fld id="{EF01AC3F-5B2B-4265-BEF4-31326588BC24}" type="datetimeFigureOut">
               <a:rPr kumimoji="1" lang="ja-JP" altLang="en-US" smtClean="0"/>
-              <a:t>2021/9/28</a:t>
+              <a:t>2021/10/3</a:t>
             </a:fld>
             <a:endParaRPr kumimoji="1" lang="ja-JP" altLang="en-US"/>
           </a:p>
@@ -1670,7 +1670,7 @@
           <a:p>
             <a:fld id="{EF01AC3F-5B2B-4265-BEF4-31326588BC24}" type="datetimeFigureOut">
               <a:rPr kumimoji="1" lang="ja-JP" altLang="en-US" smtClean="0"/>
-              <a:t>2021/9/28</a:t>
+              <a:t>2021/10/3</a:t>
             </a:fld>
             <a:endParaRPr kumimoji="1" lang="ja-JP" altLang="en-US"/>
           </a:p>
@@ -2146,7 +2146,7 @@
           <a:p>
             <a:fld id="{EF01AC3F-5B2B-4265-BEF4-31326588BC24}" type="datetimeFigureOut">
               <a:rPr kumimoji="1" lang="ja-JP" altLang="en-US" smtClean="0"/>
-              <a:t>2021/9/28</a:t>
+              <a:t>2021/10/3</a:t>
             </a:fld>
             <a:endParaRPr kumimoji="1" lang="ja-JP" altLang="en-US"/>
           </a:p>
@@ -2287,7 +2287,7 @@
           <a:p>
             <a:fld id="{EF01AC3F-5B2B-4265-BEF4-31326588BC24}" type="datetimeFigureOut">
               <a:rPr kumimoji="1" lang="ja-JP" altLang="en-US" smtClean="0"/>
-              <a:t>2021/9/28</a:t>
+              <a:t>2021/10/3</a:t>
             </a:fld>
             <a:endParaRPr kumimoji="1" lang="ja-JP" altLang="en-US"/>
           </a:p>
@@ -2400,7 +2400,7 @@
           <a:p>
             <a:fld id="{EF01AC3F-5B2B-4265-BEF4-31326588BC24}" type="datetimeFigureOut">
               <a:rPr kumimoji="1" lang="ja-JP" altLang="en-US" smtClean="0"/>
-              <a:t>2021/9/28</a:t>
+              <a:t>2021/10/3</a:t>
             </a:fld>
             <a:endParaRPr kumimoji="1" lang="ja-JP" altLang="en-US"/>
           </a:p>
@@ -2743,7 +2743,7 @@
           <a:p>
             <a:fld id="{EF01AC3F-5B2B-4265-BEF4-31326588BC24}" type="datetimeFigureOut">
               <a:rPr kumimoji="1" lang="ja-JP" altLang="en-US" smtClean="0"/>
-              <a:t>2021/9/28</a:t>
+              <a:t>2021/10/3</a:t>
             </a:fld>
             <a:endParaRPr kumimoji="1" lang="ja-JP" altLang="en-US"/>
           </a:p>
@@ -3031,7 +3031,7 @@
           <a:p>
             <a:fld id="{EF01AC3F-5B2B-4265-BEF4-31326588BC24}" type="datetimeFigureOut">
               <a:rPr kumimoji="1" lang="ja-JP" altLang="en-US" smtClean="0"/>
-              <a:t>2021/9/28</a:t>
+              <a:t>2021/10/3</a:t>
             </a:fld>
             <a:endParaRPr kumimoji="1" lang="ja-JP" altLang="en-US"/>
           </a:p>
@@ -3304,7 +3304,7 @@
           <a:p>
             <a:fld id="{EF01AC3F-5B2B-4265-BEF4-31326588BC24}" type="datetimeFigureOut">
               <a:rPr kumimoji="1" lang="ja-JP" altLang="en-US" smtClean="0"/>
-              <a:t>2021/9/28</a:t>
+              <a:t>2021/10/3</a:t>
             </a:fld>
             <a:endParaRPr kumimoji="1" lang="ja-JP" altLang="en-US"/>
           </a:p>
@@ -3826,8 +3826,8 @@
         </p:nvSpPr>
         <p:spPr>
           <a:xfrm>
-            <a:off x="2638698" y="435428"/>
-            <a:ext cx="1872342" cy="627018"/>
+            <a:off x="2394857" y="174172"/>
+            <a:ext cx="2116183" cy="757646"/>
           </a:xfrm>
           <a:prstGeom prst="rect">
             <a:avLst/>
@@ -3852,7 +3852,7 @@
                 <a:latin typeface="Arial" panose="020B0604020202020204" pitchFamily="34" charset="0"/>
                 <a:cs typeface="Arial" panose="020B0604020202020204" pitchFamily="34" charset="0"/>
               </a:rPr>
-              <a:t>Set inertia 1/100 of that of </a:t>
+              <a:t>Set inertia 1/10 of that of </a:t>
             </a:r>
             <a:r>
               <a:rPr lang="en-US" altLang="ja-JP" sz="1100" dirty="0" err="1">
@@ -3866,7 +3866,35 @@
                 <a:latin typeface="Arial" panose="020B0604020202020204" pitchFamily="34" charset="0"/>
                 <a:cs typeface="Arial" panose="020B0604020202020204" pitchFamily="34" charset="0"/>
               </a:rPr>
-              <a:t>; greatly smaller intentionally.</a:t>
+              <a:t>;</a:t>
+            </a:r>
+            <a:r>
+              <a:rPr lang="ja-JP" altLang="en-US" sz="1100" dirty="0">
+                <a:latin typeface="Arial" panose="020B0604020202020204" pitchFamily="34" charset="0"/>
+                <a:cs typeface="Arial" panose="020B0604020202020204" pitchFamily="34" charset="0"/>
+              </a:rPr>
+              <a:t> </a:t>
+            </a:r>
+            <a:r>
+              <a:rPr lang="en-US" altLang="ja-JP" sz="1100" dirty="0">
+                <a:latin typeface="Arial" panose="020B0604020202020204" pitchFamily="34" charset="0"/>
+                <a:cs typeface="Arial" panose="020B0604020202020204" pitchFamily="34" charset="0"/>
+              </a:rPr>
+              <a:t>large value to </a:t>
+            </a:r>
+            <a:r>
+              <a:rPr lang="en-US" altLang="ja-JP" sz="1100" dirty="0" err="1">
+                <a:latin typeface="Arial" panose="020B0604020202020204" pitchFamily="34" charset="0"/>
+                <a:cs typeface="Arial" panose="020B0604020202020204" pitchFamily="34" charset="0"/>
+              </a:rPr>
+              <a:t>exaggarate</a:t>
+            </a:r>
+            <a:r>
+              <a:rPr lang="en-US" altLang="ja-JP" sz="1100" dirty="0">
+                <a:latin typeface="Arial" panose="020B0604020202020204" pitchFamily="34" charset="0"/>
+                <a:cs typeface="Arial" panose="020B0604020202020204" pitchFamily="34" charset="0"/>
+              </a:rPr>
+              <a:t> the turb-lag intentionally.</a:t>
             </a:r>
           </a:p>
         </p:txBody>
@@ -3888,8 +3916,8 @@
         </p:nvCxnSpPr>
         <p:spPr>
           <a:xfrm flipH="1">
-            <a:off x="2525487" y="1062446"/>
-            <a:ext cx="1049382" cy="1724297"/>
+            <a:off x="2525487" y="931818"/>
+            <a:ext cx="927462" cy="1854925"/>
           </a:xfrm>
           <a:prstGeom prst="line">
             <a:avLst/>

--- a/docs/Examples/Engines/Transient/O360-turbocharged-vs-none/makeFig_O360-turbocharged-vs-none.pptx
+++ b/docs/Examples/Engines/Transient/O360-turbocharged-vs-none/makeFig_O360-turbocharged-vs-none.pptx
@@ -9,7 +9,8 @@
     <p:sldId id="344" r:id="rId3"/>
     <p:sldId id="343" r:id="rId4"/>
     <p:sldId id="341" r:id="rId5"/>
-    <p:sldId id="345" r:id="rId6"/>
+    <p:sldId id="346" r:id="rId6"/>
+    <p:sldId id="345" r:id="rId7"/>
   </p:sldIdLst>
   <p:sldSz cx="12192000" cy="6858000"/>
   <p:notesSz cx="6858000" cy="9144000"/>
@@ -117,6 +118,7 @@
             <p14:sldId id="344"/>
             <p14:sldId id="343"/>
             <p14:sldId id="341"/>
+            <p14:sldId id="346"/>
             <p14:sldId id="345"/>
           </p14:sldIdLst>
         </p14:section>
@@ -276,7 +278,7 @@
           <a:p>
             <a:fld id="{EF01AC3F-5B2B-4265-BEF4-31326588BC24}" type="datetimeFigureOut">
               <a:rPr kumimoji="1" lang="ja-JP" altLang="en-US" smtClean="0"/>
-              <a:t>2021/10/3</a:t>
+              <a:t>2021/10/5</a:t>
             </a:fld>
             <a:endParaRPr kumimoji="1" lang="ja-JP" altLang="en-US"/>
           </a:p>
@@ -506,7 +508,7 @@
           <a:p>
             <a:fld id="{EF01AC3F-5B2B-4265-BEF4-31326588BC24}" type="datetimeFigureOut">
               <a:rPr kumimoji="1" lang="ja-JP" altLang="en-US" smtClean="0"/>
-              <a:t>2021/10/3</a:t>
+              <a:t>2021/10/5</a:t>
             </a:fld>
             <a:endParaRPr kumimoji="1" lang="ja-JP" altLang="en-US"/>
           </a:p>
@@ -746,7 +748,7 @@
           <a:p>
             <a:fld id="{EF01AC3F-5B2B-4265-BEF4-31326588BC24}" type="datetimeFigureOut">
               <a:rPr kumimoji="1" lang="ja-JP" altLang="en-US" smtClean="0"/>
-              <a:t>2021/10/3</a:t>
+              <a:t>2021/10/5</a:t>
             </a:fld>
             <a:endParaRPr kumimoji="1" lang="ja-JP" altLang="en-US"/>
           </a:p>
@@ -1066,7 +1068,7 @@
           <a:p>
             <a:fld id="{EF01AC3F-5B2B-4265-BEF4-31326588BC24}" type="datetimeFigureOut">
               <a:rPr kumimoji="1" lang="ja-JP" altLang="en-US" smtClean="0"/>
-              <a:t>2021/10/3</a:t>
+              <a:t>2021/10/5</a:t>
             </a:fld>
             <a:endParaRPr kumimoji="1" lang="ja-JP" altLang="en-US"/>
           </a:p>
@@ -1341,7 +1343,7 @@
           <a:p>
             <a:fld id="{EF01AC3F-5B2B-4265-BEF4-31326588BC24}" type="datetimeFigureOut">
               <a:rPr kumimoji="1" lang="ja-JP" altLang="en-US" smtClean="0"/>
-              <a:t>2021/10/3</a:t>
+              <a:t>2021/10/5</a:t>
             </a:fld>
             <a:endParaRPr kumimoji="1" lang="ja-JP" altLang="en-US"/>
           </a:p>
@@ -1670,7 +1672,7 @@
           <a:p>
             <a:fld id="{EF01AC3F-5B2B-4265-BEF4-31326588BC24}" type="datetimeFigureOut">
               <a:rPr kumimoji="1" lang="ja-JP" altLang="en-US" smtClean="0"/>
-              <a:t>2021/10/3</a:t>
+              <a:t>2021/10/5</a:t>
             </a:fld>
             <a:endParaRPr kumimoji="1" lang="ja-JP" altLang="en-US"/>
           </a:p>
@@ -2146,7 +2148,7 @@
           <a:p>
             <a:fld id="{EF01AC3F-5B2B-4265-BEF4-31326588BC24}" type="datetimeFigureOut">
               <a:rPr kumimoji="1" lang="ja-JP" altLang="en-US" smtClean="0"/>
-              <a:t>2021/10/3</a:t>
+              <a:t>2021/10/5</a:t>
             </a:fld>
             <a:endParaRPr kumimoji="1" lang="ja-JP" altLang="en-US"/>
           </a:p>
@@ -2287,7 +2289,7 @@
           <a:p>
             <a:fld id="{EF01AC3F-5B2B-4265-BEF4-31326588BC24}" type="datetimeFigureOut">
               <a:rPr kumimoji="1" lang="ja-JP" altLang="en-US" smtClean="0"/>
-              <a:t>2021/10/3</a:t>
+              <a:t>2021/10/5</a:t>
             </a:fld>
             <a:endParaRPr kumimoji="1" lang="ja-JP" altLang="en-US"/>
           </a:p>
@@ -2400,7 +2402,7 @@
           <a:p>
             <a:fld id="{EF01AC3F-5B2B-4265-BEF4-31326588BC24}" type="datetimeFigureOut">
               <a:rPr kumimoji="1" lang="ja-JP" altLang="en-US" smtClean="0"/>
-              <a:t>2021/10/3</a:t>
+              <a:t>2021/10/5</a:t>
             </a:fld>
             <a:endParaRPr kumimoji="1" lang="ja-JP" altLang="en-US"/>
           </a:p>
@@ -2743,7 +2745,7 @@
           <a:p>
             <a:fld id="{EF01AC3F-5B2B-4265-BEF4-31326588BC24}" type="datetimeFigureOut">
               <a:rPr kumimoji="1" lang="ja-JP" altLang="en-US" smtClean="0"/>
-              <a:t>2021/10/3</a:t>
+              <a:t>2021/10/5</a:t>
             </a:fld>
             <a:endParaRPr kumimoji="1" lang="ja-JP" altLang="en-US"/>
           </a:p>
@@ -3031,7 +3033,7 @@
           <a:p>
             <a:fld id="{EF01AC3F-5B2B-4265-BEF4-31326588BC24}" type="datetimeFigureOut">
               <a:rPr kumimoji="1" lang="ja-JP" altLang="en-US" smtClean="0"/>
-              <a:t>2021/10/3</a:t>
+              <a:t>2021/10/5</a:t>
             </a:fld>
             <a:endParaRPr kumimoji="1" lang="ja-JP" altLang="en-US"/>
           </a:p>
@@ -3304,7 +3306,7 @@
           <a:p>
             <a:fld id="{EF01AC3F-5B2B-4265-BEF4-31326588BC24}" type="datetimeFigureOut">
               <a:rPr kumimoji="1" lang="ja-JP" altLang="en-US" smtClean="0"/>
-              <a:t>2021/10/3</a:t>
+              <a:t>2021/10/5</a:t>
             </a:fld>
             <a:endParaRPr kumimoji="1" lang="ja-JP" altLang="en-US"/>
           </a:p>
@@ -4483,6 +4485,456 @@
       </p:grpSpPr>
       <p:pic>
         <p:nvPicPr>
+          <p:cNvPr id="7" name="図 6">
+            <a:extLst>
+              <a:ext uri="{FF2B5EF4-FFF2-40B4-BE49-F238E27FC236}">
+                <a16:creationId xmlns:a16="http://schemas.microsoft.com/office/drawing/2014/main" id="{5B06CDCE-2182-44A5-8D24-45687FC95F43}"/>
+              </a:ext>
+            </a:extLst>
+          </p:cNvPr>
+          <p:cNvPicPr>
+            <a:picLocks noChangeAspect="1"/>
+          </p:cNvPicPr>
+          <p:nvPr/>
+        </p:nvPicPr>
+        <p:blipFill>
+          <a:blip r:embed="rId2">
+            <a:extLst>
+              <a:ext uri="{28A0092B-C50C-407E-A947-70E740481C1C}">
+                <a14:useLocalDpi xmlns:a14="http://schemas.microsoft.com/office/drawing/2010/main" val="0"/>
+              </a:ext>
+            </a:extLst>
+          </a:blip>
+          <a:stretch>
+            <a:fillRect/>
+          </a:stretch>
+        </p:blipFill>
+        <p:spPr>
+          <a:xfrm>
+            <a:off x="400762" y="279794"/>
+            <a:ext cx="11390476" cy="6298412"/>
+          </a:xfrm>
+          <a:prstGeom prst="rect">
+            <a:avLst/>
+          </a:prstGeom>
+        </p:spPr>
+      </p:pic>
+      <p:sp>
+        <p:nvSpPr>
+          <p:cNvPr id="2" name="テキスト ボックス 1">
+            <a:extLst>
+              <a:ext uri="{FF2B5EF4-FFF2-40B4-BE49-F238E27FC236}">
+                <a16:creationId xmlns:a16="http://schemas.microsoft.com/office/drawing/2014/main" id="{0BA4A970-A149-4CC4-B765-1591C4FA9DB3}"/>
+              </a:ext>
+            </a:extLst>
+          </p:cNvPr>
+          <p:cNvSpPr txBox="1"/>
+          <p:nvPr/>
+        </p:nvSpPr>
+        <p:spPr>
+          <a:xfrm>
+            <a:off x="9893172" y="661241"/>
+            <a:ext cx="1773376" cy="632456"/>
+          </a:xfrm>
+          <a:prstGeom prst="rect">
+            <a:avLst/>
+          </a:prstGeom>
+          <a:solidFill>
+            <a:srgbClr val="FFFF00"/>
+          </a:solidFill>
+          <a:ln>
+            <a:solidFill>
+              <a:schemeClr val="tx1"/>
+            </a:solidFill>
+          </a:ln>
+        </p:spPr>
+        <p:txBody>
+          <a:bodyPr wrap="square" rtlCol="0">
+            <a:noAutofit/>
+          </a:bodyPr>
+          <a:lstStyle/>
+          <a:p>
+            <a:r>
+              <a:rPr lang="en-US" altLang="ja-JP" sz="1100" dirty="0">
+                <a:latin typeface="Arial" panose="020B0604020202020204" pitchFamily="34" charset="0"/>
+                <a:cs typeface="Arial" panose="020B0604020202020204" pitchFamily="34" charset="0"/>
+              </a:rPr>
+              <a:t>Acceleration and toward steady state</a:t>
+            </a:r>
+          </a:p>
+          <a:p>
+            <a:r>
+              <a:rPr lang="en-US" altLang="ja-JP" sz="1100" dirty="0">
+                <a:latin typeface="Arial" panose="020B0604020202020204" pitchFamily="34" charset="0"/>
+                <a:cs typeface="Arial" panose="020B0604020202020204" pitchFamily="34" charset="0"/>
+              </a:rPr>
+              <a:t>50 &lt; time &lt;100 [s]</a:t>
+            </a:r>
+          </a:p>
+        </p:txBody>
+      </p:sp>
+      <p:sp>
+        <p:nvSpPr>
+          <p:cNvPr id="3" name="テキスト ボックス 2">
+            <a:extLst>
+              <a:ext uri="{FF2B5EF4-FFF2-40B4-BE49-F238E27FC236}">
+                <a16:creationId xmlns:a16="http://schemas.microsoft.com/office/drawing/2014/main" id="{ECD5B85D-9065-4B76-840F-19D54346BD9B}"/>
+              </a:ext>
+            </a:extLst>
+          </p:cNvPr>
+          <p:cNvSpPr txBox="1"/>
+          <p:nvPr/>
+        </p:nvSpPr>
+        <p:spPr>
+          <a:xfrm>
+            <a:off x="7040880" y="2414929"/>
+            <a:ext cx="1719943" cy="615654"/>
+          </a:xfrm>
+          <a:prstGeom prst="rect">
+            <a:avLst/>
+          </a:prstGeom>
+          <a:solidFill>
+            <a:srgbClr val="FFFF00"/>
+          </a:solidFill>
+          <a:ln>
+            <a:solidFill>
+              <a:schemeClr val="tx1"/>
+            </a:solidFill>
+          </a:ln>
+        </p:spPr>
+        <p:txBody>
+          <a:bodyPr wrap="square" rtlCol="0">
+            <a:noAutofit/>
+          </a:bodyPr>
+          <a:lstStyle/>
+          <a:p>
+            <a:r>
+              <a:rPr lang="en-US" altLang="ja-JP" sz="1100" dirty="0">
+                <a:latin typeface="Arial" panose="020B0604020202020204" pitchFamily="34" charset="0"/>
+                <a:cs typeface="Arial" panose="020B0604020202020204" pitchFamily="34" charset="0"/>
+              </a:rPr>
+              <a:t>Response to sudden acceleration (throttle opening)</a:t>
+            </a:r>
+          </a:p>
+        </p:txBody>
+      </p:sp>
+      <p:cxnSp>
+        <p:nvCxnSpPr>
+          <p:cNvPr id="4" name="直線コネクタ 3">
+            <a:extLst>
+              <a:ext uri="{FF2B5EF4-FFF2-40B4-BE49-F238E27FC236}">
+                <a16:creationId xmlns:a16="http://schemas.microsoft.com/office/drawing/2014/main" id="{A5EF5CA9-A18B-45C1-A284-1608A9EAE78F}"/>
+              </a:ext>
+            </a:extLst>
+          </p:cNvPr>
+          <p:cNvCxnSpPr>
+            <a:cxnSpLocks/>
+            <a:stCxn id="3" idx="3"/>
+          </p:cNvCxnSpPr>
+          <p:nvPr/>
+        </p:nvCxnSpPr>
+        <p:spPr>
+          <a:xfrm flipV="1">
+            <a:off x="8760823" y="2272940"/>
+            <a:ext cx="1193311" cy="449816"/>
+          </a:xfrm>
+          <a:prstGeom prst="line">
+            <a:avLst/>
+          </a:prstGeom>
+          <a:ln w="28575">
+            <a:solidFill>
+              <a:schemeClr val="tx1"/>
+            </a:solidFill>
+            <a:tailEnd type="oval"/>
+          </a:ln>
+        </p:spPr>
+        <p:style>
+          <a:lnRef idx="1">
+            <a:schemeClr val="accent1"/>
+          </a:lnRef>
+          <a:fillRef idx="0">
+            <a:schemeClr val="accent1"/>
+          </a:fillRef>
+          <a:effectRef idx="0">
+            <a:schemeClr val="accent1"/>
+          </a:effectRef>
+          <a:fontRef idx="minor">
+            <a:schemeClr val="tx1"/>
+          </a:fontRef>
+        </p:style>
+      </p:cxnSp>
+      <p:sp>
+        <p:nvSpPr>
+          <p:cNvPr id="5" name="右中かっこ 4">
+            <a:extLst>
+              <a:ext uri="{FF2B5EF4-FFF2-40B4-BE49-F238E27FC236}">
+                <a16:creationId xmlns:a16="http://schemas.microsoft.com/office/drawing/2014/main" id="{746FAA07-730D-4F94-896A-11BF1944227E}"/>
+              </a:ext>
+            </a:extLst>
+          </p:cNvPr>
+          <p:cNvSpPr/>
+          <p:nvPr/>
+        </p:nvSpPr>
+        <p:spPr>
+          <a:xfrm rot="16200000">
+            <a:off x="10521019" y="798725"/>
+            <a:ext cx="360932" cy="1281205"/>
+          </a:xfrm>
+          <a:prstGeom prst="rightBrace">
+            <a:avLst>
+              <a:gd name="adj1" fmla="val 17870"/>
+              <a:gd name="adj2" fmla="val 54135"/>
+            </a:avLst>
+          </a:prstGeom>
+          <a:ln w="28575"/>
+        </p:spPr>
+        <p:style>
+          <a:lnRef idx="3">
+            <a:schemeClr val="dk1"/>
+          </a:lnRef>
+          <a:fillRef idx="0">
+            <a:schemeClr val="dk1"/>
+          </a:fillRef>
+          <a:effectRef idx="2">
+            <a:schemeClr val="dk1"/>
+          </a:effectRef>
+          <a:fontRef idx="minor">
+            <a:schemeClr val="tx1"/>
+          </a:fontRef>
+        </p:style>
+        <p:txBody>
+          <a:bodyPr rtlCol="0" anchor="ctr"/>
+          <a:lstStyle/>
+          <a:p>
+            <a:pPr algn="ctr"/>
+            <a:endParaRPr kumimoji="1" lang="ja-JP" altLang="en-US"/>
+          </a:p>
+        </p:txBody>
+      </p:sp>
+      <p:sp>
+        <p:nvSpPr>
+          <p:cNvPr id="14" name="テキスト ボックス 13">
+            <a:extLst>
+              <a:ext uri="{FF2B5EF4-FFF2-40B4-BE49-F238E27FC236}">
+                <a16:creationId xmlns:a16="http://schemas.microsoft.com/office/drawing/2014/main" id="{B55C2A3E-CF3C-4684-9C73-CB6521A1823F}"/>
+              </a:ext>
+            </a:extLst>
+          </p:cNvPr>
+          <p:cNvSpPr txBox="1"/>
+          <p:nvPr/>
+        </p:nvSpPr>
+        <p:spPr>
+          <a:xfrm>
+            <a:off x="1968137" y="4370003"/>
+            <a:ext cx="1719943" cy="615654"/>
+          </a:xfrm>
+          <a:prstGeom prst="rect">
+            <a:avLst/>
+          </a:prstGeom>
+          <a:solidFill>
+            <a:srgbClr val="FFFF00"/>
+          </a:solidFill>
+          <a:ln>
+            <a:solidFill>
+              <a:schemeClr val="tx1"/>
+            </a:solidFill>
+          </a:ln>
+        </p:spPr>
+        <p:txBody>
+          <a:bodyPr wrap="square" rtlCol="0">
+            <a:noAutofit/>
+          </a:bodyPr>
+          <a:lstStyle/>
+          <a:p>
+            <a:r>
+              <a:rPr lang="en-US" altLang="ja-JP" sz="1100" dirty="0">
+                <a:latin typeface="Arial" panose="020B0604020202020204" pitchFamily="34" charset="0"/>
+                <a:cs typeface="Arial" panose="020B0604020202020204" pitchFamily="34" charset="0"/>
+              </a:rPr>
+              <a:t>Response to sudden acceleration (throttle opening)</a:t>
+            </a:r>
+          </a:p>
+        </p:txBody>
+      </p:sp>
+      <p:cxnSp>
+        <p:nvCxnSpPr>
+          <p:cNvPr id="15" name="直線コネクタ 14">
+            <a:extLst>
+              <a:ext uri="{FF2B5EF4-FFF2-40B4-BE49-F238E27FC236}">
+                <a16:creationId xmlns:a16="http://schemas.microsoft.com/office/drawing/2014/main" id="{2979D432-523A-45AA-A8B9-E3AB8DC54B09}"/>
+              </a:ext>
+            </a:extLst>
+          </p:cNvPr>
+          <p:cNvCxnSpPr>
+            <a:cxnSpLocks/>
+            <a:stCxn id="14" idx="2"/>
+          </p:cNvCxnSpPr>
+          <p:nvPr/>
+        </p:nvCxnSpPr>
+        <p:spPr>
+          <a:xfrm>
+            <a:off x="2828109" y="4985657"/>
+            <a:ext cx="629194" cy="613954"/>
+          </a:xfrm>
+          <a:prstGeom prst="line">
+            <a:avLst/>
+          </a:prstGeom>
+          <a:ln w="28575">
+            <a:solidFill>
+              <a:schemeClr val="tx1"/>
+            </a:solidFill>
+            <a:tailEnd type="oval"/>
+          </a:ln>
+        </p:spPr>
+        <p:style>
+          <a:lnRef idx="1">
+            <a:schemeClr val="accent1"/>
+          </a:lnRef>
+          <a:fillRef idx="0">
+            <a:schemeClr val="accent1"/>
+          </a:fillRef>
+          <a:effectRef idx="0">
+            <a:schemeClr val="accent1"/>
+          </a:effectRef>
+          <a:fontRef idx="minor">
+            <a:schemeClr val="tx1"/>
+          </a:fontRef>
+        </p:style>
+      </p:cxnSp>
+      <p:sp>
+        <p:nvSpPr>
+          <p:cNvPr id="18" name="右中かっこ 17">
+            <a:extLst>
+              <a:ext uri="{FF2B5EF4-FFF2-40B4-BE49-F238E27FC236}">
+                <a16:creationId xmlns:a16="http://schemas.microsoft.com/office/drawing/2014/main" id="{C5831A98-9526-4585-AD9B-66EC87359242}"/>
+              </a:ext>
+            </a:extLst>
+          </p:cNvPr>
+          <p:cNvSpPr/>
+          <p:nvPr/>
+        </p:nvSpPr>
+        <p:spPr>
+          <a:xfrm rot="5400000">
+            <a:off x="3720190" y="5465480"/>
+            <a:ext cx="360932" cy="629195"/>
+          </a:xfrm>
+          <a:prstGeom prst="rightBrace">
+            <a:avLst>
+              <a:gd name="adj1" fmla="val 17870"/>
+              <a:gd name="adj2" fmla="val 26453"/>
+            </a:avLst>
+          </a:prstGeom>
+          <a:ln w="28575"/>
+        </p:spPr>
+        <p:style>
+          <a:lnRef idx="3">
+            <a:schemeClr val="dk1"/>
+          </a:lnRef>
+          <a:fillRef idx="0">
+            <a:schemeClr val="dk1"/>
+          </a:fillRef>
+          <a:effectRef idx="2">
+            <a:schemeClr val="dk1"/>
+          </a:effectRef>
+          <a:fontRef idx="minor">
+            <a:schemeClr val="tx1"/>
+          </a:fontRef>
+        </p:style>
+        <p:txBody>
+          <a:bodyPr rtlCol="0" anchor="ctr"/>
+          <a:lstStyle/>
+          <a:p>
+            <a:pPr algn="ctr"/>
+            <a:endParaRPr kumimoji="1" lang="ja-JP" altLang="en-US"/>
+          </a:p>
+        </p:txBody>
+      </p:sp>
+      <p:sp>
+        <p:nvSpPr>
+          <p:cNvPr id="19" name="テキスト ボックス 18">
+            <a:extLst>
+              <a:ext uri="{FF2B5EF4-FFF2-40B4-BE49-F238E27FC236}">
+                <a16:creationId xmlns:a16="http://schemas.microsoft.com/office/drawing/2014/main" id="{5C8B51C5-B06D-4CAB-9625-D0CF2C49FCA8}"/>
+              </a:ext>
+            </a:extLst>
+          </p:cNvPr>
+          <p:cNvSpPr txBox="1"/>
+          <p:nvPr/>
+        </p:nvSpPr>
+        <p:spPr>
+          <a:xfrm>
+            <a:off x="3866605" y="5934289"/>
+            <a:ext cx="1629897" cy="632456"/>
+          </a:xfrm>
+          <a:prstGeom prst="rect">
+            <a:avLst/>
+          </a:prstGeom>
+          <a:solidFill>
+            <a:srgbClr val="FFFF00"/>
+          </a:solidFill>
+          <a:ln>
+            <a:solidFill>
+              <a:schemeClr val="tx1"/>
+            </a:solidFill>
+          </a:ln>
+        </p:spPr>
+        <p:txBody>
+          <a:bodyPr wrap="square" rtlCol="0">
+            <a:noAutofit/>
+          </a:bodyPr>
+          <a:lstStyle/>
+          <a:p>
+            <a:r>
+              <a:rPr lang="en-US" altLang="ja-JP" sz="1100" dirty="0">
+                <a:latin typeface="Arial" panose="020B0604020202020204" pitchFamily="34" charset="0"/>
+                <a:cs typeface="Arial" panose="020B0604020202020204" pitchFamily="34" charset="0"/>
+              </a:rPr>
+              <a:t>Acceleration and toward steady state</a:t>
+            </a:r>
+          </a:p>
+          <a:p>
+            <a:r>
+              <a:rPr lang="en-US" altLang="ja-JP" sz="1100" dirty="0">
+                <a:latin typeface="Arial" panose="020B0604020202020204" pitchFamily="34" charset="0"/>
+                <a:cs typeface="Arial" panose="020B0604020202020204" pitchFamily="34" charset="0"/>
+              </a:rPr>
+              <a:t>50 &lt; time &lt;100 [s]</a:t>
+            </a:r>
+          </a:p>
+        </p:txBody>
+      </p:sp>
+    </p:spTree>
+    <p:extLst>
+      <p:ext uri="{BB962C8B-B14F-4D97-AF65-F5344CB8AC3E}">
+        <p14:creationId xmlns:p14="http://schemas.microsoft.com/office/powerpoint/2010/main" val="2612638004"/>
+      </p:ext>
+    </p:extLst>
+  </p:cSld>
+  <p:clrMapOvr>
+    <a:masterClrMapping/>
+  </p:clrMapOvr>
+</p:sld>
+</file>
+
+<file path=ppt/slides/slide6.xml><?xml version="1.0" encoding="utf-8"?>
+<p:sld xmlns:a="http://schemas.openxmlformats.org/drawingml/2006/main" xmlns:r="http://schemas.openxmlformats.org/officeDocument/2006/relationships" xmlns:p="http://schemas.openxmlformats.org/presentationml/2006/main">
+  <p:cSld>
+    <p:spTree>
+      <p:nvGrpSpPr>
+        <p:cNvPr id="1" name=""/>
+        <p:cNvGrpSpPr/>
+        <p:nvPr/>
+      </p:nvGrpSpPr>
+      <p:grpSpPr>
+        <a:xfrm>
+          <a:off x="0" y="0"/>
+          <a:ext cx="0" cy="0"/>
+          <a:chOff x="0" y="0"/>
+          <a:chExt cx="0" cy="0"/>
+        </a:xfrm>
+      </p:grpSpPr>
+      <p:pic>
+        <p:nvPicPr>
           <p:cNvPr id="4" name="図 3">
             <a:extLst>
               <a:ext uri="{FF2B5EF4-FFF2-40B4-BE49-F238E27FC236}">

--- a/docs/Examples/Engines/Transient/O360-turbocharged-vs-none/makeFig_O360-turbocharged-vs-none.pptx
+++ b/docs/Examples/Engines/Transient/O360-turbocharged-vs-none/makeFig_O360-turbocharged-vs-none.pptx
@@ -3,19 +3,19 @@
 <p:presentation xmlns:a="http://schemas.openxmlformats.org/drawingml/2006/main" xmlns:r="http://schemas.openxmlformats.org/officeDocument/2006/relationships" xmlns:p="http://schemas.openxmlformats.org/presentationml/2006/main">
   <p:sldMasterIdLst>
     <p:sldMasterId id="2147483648" r:id="rId1"/>
-    <p:sldMasterId id="2147483661" r:id="rId3"/>
+    <p:sldMasterId id="2147483661" r:id="rId2"/>
   </p:sldMasterIdLst>
   <p:sldIdLst>
-    <p:sldId id="256" r:id="rId4"/>
-    <p:sldId id="257" r:id="rId5"/>
-    <p:sldId id="258" r:id="rId6"/>
-    <p:sldId id="262" r:id="rId7"/>
-    <p:sldId id="259" r:id="rId8"/>
-    <p:sldId id="260" r:id="rId9"/>
-    <p:sldId id="261" r:id="rId10"/>
+    <p:sldId id="256" r:id="rId3"/>
+    <p:sldId id="257" r:id="rId4"/>
+    <p:sldId id="258" r:id="rId5"/>
+    <p:sldId id="262" r:id="rId6"/>
+    <p:sldId id="259" r:id="rId7"/>
+    <p:sldId id="260" r:id="rId8"/>
+    <p:sldId id="261" r:id="rId9"/>
   </p:sldIdLst>
   <p:sldSz cx="12192000" cy="6858000"/>
-  <p:notesSz cx="7559675" cy="10691495"/>
+  <p:notesSz cx="7559675" cy="10691813"/>
   <p:defaultTextStyle>
     <a:lvl1pPr marL="0" algn="l" defTabSz="914400" rtl="0" eaLnBrk="1" latinLnBrk="0" hangingPunct="1">
       <a:defRPr sz="1800" kern="1200">
@@ -176,6 +176,7 @@
           <a:bodyPr lIns="0" tIns="0" rIns="0" bIns="0" anchor="ctr">
             <a:noAutofit/>
           </a:bodyPr>
+          <a:lstStyle/>
           <a:p>
             <a:endParaRPr lang="en-US" sz="1800" b="0" strike="noStrike" spc="-1">
               <a:solidFill>
@@ -209,6 +210,7 @@
           <a:bodyPr lIns="0" tIns="0" rIns="0" bIns="0">
             <a:normAutofit/>
           </a:bodyPr>
+          <a:lstStyle/>
           <a:p>
             <a:endParaRPr lang="en-US" sz="2800" b="0" strike="noStrike" spc="-1">
               <a:solidFill>
@@ -242,6 +244,7 @@
           <a:bodyPr lIns="0" tIns="0" rIns="0" bIns="0">
             <a:normAutofit/>
           </a:bodyPr>
+          <a:lstStyle/>
           <a:p>
             <a:endParaRPr lang="en-US" sz="2800" b="0" strike="noStrike" spc="-1">
               <a:solidFill>
@@ -300,6 +303,7 @@
           <a:bodyPr lIns="0" tIns="0" rIns="0" bIns="0" anchor="ctr">
             <a:noAutofit/>
           </a:bodyPr>
+          <a:lstStyle/>
           <a:p>
             <a:endParaRPr lang="en-US" sz="1800" b="0" strike="noStrike" spc="-1">
               <a:solidFill>
@@ -333,6 +337,7 @@
           <a:bodyPr lIns="0" tIns="0" rIns="0" bIns="0">
             <a:normAutofit/>
           </a:bodyPr>
+          <a:lstStyle/>
           <a:p>
             <a:endParaRPr lang="en-US" sz="2800" b="0" strike="noStrike" spc="-1">
               <a:solidFill>
@@ -366,6 +371,7 @@
           <a:bodyPr lIns="0" tIns="0" rIns="0" bIns="0">
             <a:normAutofit/>
           </a:bodyPr>
+          <a:lstStyle/>
           <a:p>
             <a:endParaRPr lang="en-US" sz="2800" b="0" strike="noStrike" spc="-1">
               <a:solidFill>
@@ -399,6 +405,7 @@
           <a:bodyPr lIns="0" tIns="0" rIns="0" bIns="0">
             <a:normAutofit/>
           </a:bodyPr>
+          <a:lstStyle/>
           <a:p>
             <a:endParaRPr lang="en-US" sz="2800" b="0" strike="noStrike" spc="-1">
               <a:solidFill>
@@ -432,6 +439,7 @@
           <a:bodyPr lIns="0" tIns="0" rIns="0" bIns="0">
             <a:normAutofit/>
           </a:bodyPr>
+          <a:lstStyle/>
           <a:p>
             <a:endParaRPr lang="en-US" sz="2800" b="0" strike="noStrike" spc="-1">
               <a:solidFill>
@@ -490,6 +498,7 @@
           <a:bodyPr lIns="0" tIns="0" rIns="0" bIns="0" anchor="ctr">
             <a:noAutofit/>
           </a:bodyPr>
+          <a:lstStyle/>
           <a:p>
             <a:endParaRPr lang="en-US" sz="1800" b="0" strike="noStrike" spc="-1">
               <a:solidFill>
@@ -523,6 +532,7 @@
           <a:bodyPr lIns="0" tIns="0" rIns="0" bIns="0">
             <a:normAutofit/>
           </a:bodyPr>
+          <a:lstStyle/>
           <a:p>
             <a:endParaRPr lang="en-US" sz="2800" b="0" strike="noStrike" spc="-1">
               <a:solidFill>
@@ -556,6 +566,7 @@
           <a:bodyPr lIns="0" tIns="0" rIns="0" bIns="0">
             <a:normAutofit/>
           </a:bodyPr>
+          <a:lstStyle/>
           <a:p>
             <a:endParaRPr lang="en-US" sz="2800" b="0" strike="noStrike" spc="-1">
               <a:solidFill>
@@ -589,6 +600,7 @@
           <a:bodyPr lIns="0" tIns="0" rIns="0" bIns="0">
             <a:normAutofit/>
           </a:bodyPr>
+          <a:lstStyle/>
           <a:p>
             <a:endParaRPr lang="en-US" sz="2800" b="0" strike="noStrike" spc="-1">
               <a:solidFill>
@@ -622,6 +634,7 @@
           <a:bodyPr lIns="0" tIns="0" rIns="0" bIns="0">
             <a:normAutofit/>
           </a:bodyPr>
+          <a:lstStyle/>
           <a:p>
             <a:endParaRPr lang="en-US" sz="2800" b="0" strike="noStrike" spc="-1">
               <a:solidFill>
@@ -655,6 +668,7 @@
           <a:bodyPr lIns="0" tIns="0" rIns="0" bIns="0">
             <a:normAutofit/>
           </a:bodyPr>
+          <a:lstStyle/>
           <a:p>
             <a:endParaRPr lang="en-US" sz="2800" b="0" strike="noStrike" spc="-1">
               <a:solidFill>
@@ -688,6 +702,7 @@
           <a:bodyPr lIns="0" tIns="0" rIns="0" bIns="0">
             <a:normAutofit/>
           </a:bodyPr>
+          <a:lstStyle/>
           <a:p>
             <a:endParaRPr lang="en-US" sz="2800" b="0" strike="noStrike" spc="-1">
               <a:solidFill>
@@ -771,6 +786,7 @@
           <a:bodyPr lIns="0" tIns="0" rIns="0" bIns="0" anchor="ctr">
             <a:noAutofit/>
           </a:bodyPr>
+          <a:lstStyle/>
           <a:p>
             <a:endParaRPr lang="en-US" sz="1800" b="0" strike="noStrike" spc="-1">
               <a:solidFill>
@@ -804,6 +820,7 @@
           <a:bodyPr lIns="0" tIns="0" rIns="0" bIns="0" anchor="ctr">
             <a:noAutofit/>
           </a:bodyPr>
+          <a:lstStyle/>
           <a:p>
             <a:pPr algn="ctr"/>
             <a:endParaRPr lang="en-US" sz="3200" b="0" strike="noStrike" spc="-1">
@@ -860,6 +877,7 @@
           <a:bodyPr lIns="0" tIns="0" rIns="0" bIns="0" anchor="ctr">
             <a:noAutofit/>
           </a:bodyPr>
+          <a:lstStyle/>
           <a:p>
             <a:endParaRPr lang="en-US" sz="1800" b="0" strike="noStrike" spc="-1">
               <a:solidFill>
@@ -893,6 +911,7 @@
           <a:bodyPr lIns="0" tIns="0" rIns="0" bIns="0">
             <a:normAutofit/>
           </a:bodyPr>
+          <a:lstStyle/>
           <a:p>
             <a:endParaRPr lang="en-US" sz="2800" b="0" strike="noStrike" spc="-1">
               <a:solidFill>
@@ -951,6 +970,7 @@
           <a:bodyPr lIns="0" tIns="0" rIns="0" bIns="0" anchor="ctr">
             <a:noAutofit/>
           </a:bodyPr>
+          <a:lstStyle/>
           <a:p>
             <a:endParaRPr lang="en-US" sz="1800" b="0" strike="noStrike" spc="-1">
               <a:solidFill>
@@ -984,6 +1004,7 @@
           <a:bodyPr lIns="0" tIns="0" rIns="0" bIns="0">
             <a:normAutofit/>
           </a:bodyPr>
+          <a:lstStyle/>
           <a:p>
             <a:endParaRPr lang="en-US" sz="2800" b="0" strike="noStrike" spc="-1">
               <a:solidFill>
@@ -1017,6 +1038,7 @@
           <a:bodyPr lIns="0" tIns="0" rIns="0" bIns="0">
             <a:normAutofit/>
           </a:bodyPr>
+          <a:lstStyle/>
           <a:p>
             <a:endParaRPr lang="en-US" sz="2800" b="0" strike="noStrike" spc="-1">
               <a:solidFill>
@@ -1075,6 +1097,7 @@
           <a:bodyPr lIns="0" tIns="0" rIns="0" bIns="0" anchor="ctr">
             <a:noAutofit/>
           </a:bodyPr>
+          <a:lstStyle/>
           <a:p>
             <a:endParaRPr lang="en-US" sz="1800" b="0" strike="noStrike" spc="-1">
               <a:solidFill>
@@ -1133,6 +1156,7 @@
           <a:bodyPr lIns="0" tIns="0" rIns="0" bIns="0" anchor="ctr">
             <a:noAutofit/>
           </a:bodyPr>
+          <a:lstStyle/>
           <a:p>
             <a:pPr algn="ctr"/>
             <a:endParaRPr lang="en-US" sz="3200" b="0" strike="noStrike" spc="-1">
@@ -1189,6 +1213,7 @@
           <a:bodyPr lIns="0" tIns="0" rIns="0" bIns="0" anchor="ctr">
             <a:noAutofit/>
           </a:bodyPr>
+          <a:lstStyle/>
           <a:p>
             <a:endParaRPr lang="en-US" sz="1800" b="0" strike="noStrike" spc="-1">
               <a:solidFill>
@@ -1222,6 +1247,7 @@
           <a:bodyPr lIns="0" tIns="0" rIns="0" bIns="0">
             <a:normAutofit/>
           </a:bodyPr>
+          <a:lstStyle/>
           <a:p>
             <a:endParaRPr lang="en-US" sz="2800" b="0" strike="noStrike" spc="-1">
               <a:solidFill>
@@ -1255,6 +1281,7 @@
           <a:bodyPr lIns="0" tIns="0" rIns="0" bIns="0">
             <a:normAutofit/>
           </a:bodyPr>
+          <a:lstStyle/>
           <a:p>
             <a:endParaRPr lang="en-US" sz="2800" b="0" strike="noStrike" spc="-1">
               <a:solidFill>
@@ -1288,6 +1315,7 @@
           <a:bodyPr lIns="0" tIns="0" rIns="0" bIns="0">
             <a:normAutofit/>
           </a:bodyPr>
+          <a:lstStyle/>
           <a:p>
             <a:endParaRPr lang="en-US" sz="2800" b="0" strike="noStrike" spc="-1">
               <a:solidFill>
@@ -1346,6 +1374,7 @@
           <a:bodyPr lIns="0" tIns="0" rIns="0" bIns="0" anchor="ctr">
             <a:noAutofit/>
           </a:bodyPr>
+          <a:lstStyle/>
           <a:p>
             <a:endParaRPr lang="en-US" sz="1800" b="0" strike="noStrike" spc="-1">
               <a:solidFill>
@@ -1379,6 +1408,7 @@
           <a:bodyPr lIns="0" tIns="0" rIns="0" bIns="0" anchor="ctr">
             <a:noAutofit/>
           </a:bodyPr>
+          <a:lstStyle/>
           <a:p>
             <a:pPr algn="ctr"/>
             <a:endParaRPr lang="en-US" sz="3200" b="0" strike="noStrike" spc="-1">
@@ -1435,6 +1465,7 @@
           <a:bodyPr lIns="0" tIns="0" rIns="0" bIns="0" anchor="ctr">
             <a:noAutofit/>
           </a:bodyPr>
+          <a:lstStyle/>
           <a:p>
             <a:endParaRPr lang="en-US" sz="1800" b="0" strike="noStrike" spc="-1">
               <a:solidFill>
@@ -1468,6 +1499,7 @@
           <a:bodyPr lIns="0" tIns="0" rIns="0" bIns="0">
             <a:normAutofit/>
           </a:bodyPr>
+          <a:lstStyle/>
           <a:p>
             <a:endParaRPr lang="en-US" sz="2800" b="0" strike="noStrike" spc="-1">
               <a:solidFill>
@@ -1501,6 +1533,7 @@
           <a:bodyPr lIns="0" tIns="0" rIns="0" bIns="0">
             <a:normAutofit/>
           </a:bodyPr>
+          <a:lstStyle/>
           <a:p>
             <a:endParaRPr lang="en-US" sz="2800" b="0" strike="noStrike" spc="-1">
               <a:solidFill>
@@ -1534,6 +1567,7 @@
           <a:bodyPr lIns="0" tIns="0" rIns="0" bIns="0">
             <a:normAutofit/>
           </a:bodyPr>
+          <a:lstStyle/>
           <a:p>
             <a:endParaRPr lang="en-US" sz="2800" b="0" strike="noStrike" spc="-1">
               <a:solidFill>
@@ -1592,6 +1626,7 @@
           <a:bodyPr lIns="0" tIns="0" rIns="0" bIns="0" anchor="ctr">
             <a:noAutofit/>
           </a:bodyPr>
+          <a:lstStyle/>
           <a:p>
             <a:endParaRPr lang="en-US" sz="1800" b="0" strike="noStrike" spc="-1">
               <a:solidFill>
@@ -1625,6 +1660,7 @@
           <a:bodyPr lIns="0" tIns="0" rIns="0" bIns="0">
             <a:normAutofit/>
           </a:bodyPr>
+          <a:lstStyle/>
           <a:p>
             <a:endParaRPr lang="en-US" sz="2800" b="0" strike="noStrike" spc="-1">
               <a:solidFill>
@@ -1658,6 +1694,7 @@
           <a:bodyPr lIns="0" tIns="0" rIns="0" bIns="0">
             <a:normAutofit/>
           </a:bodyPr>
+          <a:lstStyle/>
           <a:p>
             <a:endParaRPr lang="en-US" sz="2800" b="0" strike="noStrike" spc="-1">
               <a:solidFill>
@@ -1691,6 +1728,7 @@
           <a:bodyPr lIns="0" tIns="0" rIns="0" bIns="0">
             <a:normAutofit/>
           </a:bodyPr>
+          <a:lstStyle/>
           <a:p>
             <a:endParaRPr lang="en-US" sz="2800" b="0" strike="noStrike" spc="-1">
               <a:solidFill>
@@ -1749,6 +1787,7 @@
           <a:bodyPr lIns="0" tIns="0" rIns="0" bIns="0" anchor="ctr">
             <a:noAutofit/>
           </a:bodyPr>
+          <a:lstStyle/>
           <a:p>
             <a:endParaRPr lang="en-US" sz="1800" b="0" strike="noStrike" spc="-1">
               <a:solidFill>
@@ -1782,6 +1821,7 @@
           <a:bodyPr lIns="0" tIns="0" rIns="0" bIns="0">
             <a:normAutofit/>
           </a:bodyPr>
+          <a:lstStyle/>
           <a:p>
             <a:endParaRPr lang="en-US" sz="2800" b="0" strike="noStrike" spc="-1">
               <a:solidFill>
@@ -1815,6 +1855,7 @@
           <a:bodyPr lIns="0" tIns="0" rIns="0" bIns="0">
             <a:normAutofit/>
           </a:bodyPr>
+          <a:lstStyle/>
           <a:p>
             <a:endParaRPr lang="en-US" sz="2800" b="0" strike="noStrike" spc="-1">
               <a:solidFill>
@@ -1873,6 +1914,7 @@
           <a:bodyPr lIns="0" tIns="0" rIns="0" bIns="0" anchor="ctr">
             <a:noAutofit/>
           </a:bodyPr>
+          <a:lstStyle/>
           <a:p>
             <a:endParaRPr lang="en-US" sz="1800" b="0" strike="noStrike" spc="-1">
               <a:solidFill>
@@ -1906,6 +1948,7 @@
           <a:bodyPr lIns="0" tIns="0" rIns="0" bIns="0">
             <a:normAutofit/>
           </a:bodyPr>
+          <a:lstStyle/>
           <a:p>
             <a:endParaRPr lang="en-US" sz="2800" b="0" strike="noStrike" spc="-1">
               <a:solidFill>
@@ -1939,6 +1982,7 @@
           <a:bodyPr lIns="0" tIns="0" rIns="0" bIns="0">
             <a:normAutofit/>
           </a:bodyPr>
+          <a:lstStyle/>
           <a:p>
             <a:endParaRPr lang="en-US" sz="2800" b="0" strike="noStrike" spc="-1">
               <a:solidFill>
@@ -1972,6 +2016,7 @@
           <a:bodyPr lIns="0" tIns="0" rIns="0" bIns="0">
             <a:normAutofit/>
           </a:bodyPr>
+          <a:lstStyle/>
           <a:p>
             <a:endParaRPr lang="en-US" sz="2800" b="0" strike="noStrike" spc="-1">
               <a:solidFill>
@@ -2005,6 +2050,7 @@
           <a:bodyPr lIns="0" tIns="0" rIns="0" bIns="0">
             <a:normAutofit/>
           </a:bodyPr>
+          <a:lstStyle/>
           <a:p>
             <a:endParaRPr lang="en-US" sz="2800" b="0" strike="noStrike" spc="-1">
               <a:solidFill>
@@ -2063,6 +2109,7 @@
           <a:bodyPr lIns="0" tIns="0" rIns="0" bIns="0" anchor="ctr">
             <a:noAutofit/>
           </a:bodyPr>
+          <a:lstStyle/>
           <a:p>
             <a:endParaRPr lang="en-US" sz="1800" b="0" strike="noStrike" spc="-1">
               <a:solidFill>
@@ -2096,6 +2143,7 @@
           <a:bodyPr lIns="0" tIns="0" rIns="0" bIns="0">
             <a:normAutofit/>
           </a:bodyPr>
+          <a:lstStyle/>
           <a:p>
             <a:endParaRPr lang="en-US" sz="2800" b="0" strike="noStrike" spc="-1">
               <a:solidFill>
@@ -2129,6 +2177,7 @@
           <a:bodyPr lIns="0" tIns="0" rIns="0" bIns="0">
             <a:normAutofit/>
           </a:bodyPr>
+          <a:lstStyle/>
           <a:p>
             <a:endParaRPr lang="en-US" sz="2800" b="0" strike="noStrike" spc="-1">
               <a:solidFill>
@@ -2162,6 +2211,7 @@
           <a:bodyPr lIns="0" tIns="0" rIns="0" bIns="0">
             <a:normAutofit/>
           </a:bodyPr>
+          <a:lstStyle/>
           <a:p>
             <a:endParaRPr lang="en-US" sz="2800" b="0" strike="noStrike" spc="-1">
               <a:solidFill>
@@ -2195,6 +2245,7 @@
           <a:bodyPr lIns="0" tIns="0" rIns="0" bIns="0">
             <a:normAutofit/>
           </a:bodyPr>
+          <a:lstStyle/>
           <a:p>
             <a:endParaRPr lang="en-US" sz="2800" b="0" strike="noStrike" spc="-1">
               <a:solidFill>
@@ -2228,6 +2279,7 @@
           <a:bodyPr lIns="0" tIns="0" rIns="0" bIns="0">
             <a:normAutofit/>
           </a:bodyPr>
+          <a:lstStyle/>
           <a:p>
             <a:endParaRPr lang="en-US" sz="2800" b="0" strike="noStrike" spc="-1">
               <a:solidFill>
@@ -2261,6 +2313,7 @@
           <a:bodyPr lIns="0" tIns="0" rIns="0" bIns="0">
             <a:normAutofit/>
           </a:bodyPr>
+          <a:lstStyle/>
           <a:p>
             <a:endParaRPr lang="en-US" sz="2800" b="0" strike="noStrike" spc="-1">
               <a:solidFill>
@@ -2319,6 +2372,7 @@
           <a:bodyPr lIns="0" tIns="0" rIns="0" bIns="0" anchor="ctr">
             <a:noAutofit/>
           </a:bodyPr>
+          <a:lstStyle/>
           <a:p>
             <a:endParaRPr lang="en-US" sz="1800" b="0" strike="noStrike" spc="-1">
               <a:solidFill>
@@ -2352,6 +2406,7 @@
           <a:bodyPr lIns="0" tIns="0" rIns="0" bIns="0">
             <a:normAutofit/>
           </a:bodyPr>
+          <a:lstStyle/>
           <a:p>
             <a:endParaRPr lang="en-US" sz="2800" b="0" strike="noStrike" spc="-1">
               <a:solidFill>
@@ -2410,6 +2465,7 @@
           <a:bodyPr lIns="0" tIns="0" rIns="0" bIns="0" anchor="ctr">
             <a:noAutofit/>
           </a:bodyPr>
+          <a:lstStyle/>
           <a:p>
             <a:endParaRPr lang="en-US" sz="1800" b="0" strike="noStrike" spc="-1">
               <a:solidFill>
@@ -2443,6 +2499,7 @@
           <a:bodyPr lIns="0" tIns="0" rIns="0" bIns="0">
             <a:normAutofit/>
           </a:bodyPr>
+          <a:lstStyle/>
           <a:p>
             <a:endParaRPr lang="en-US" sz="2800" b="0" strike="noStrike" spc="-1">
               <a:solidFill>
@@ -2476,6 +2533,7 @@
           <a:bodyPr lIns="0" tIns="0" rIns="0" bIns="0">
             <a:normAutofit/>
           </a:bodyPr>
+          <a:lstStyle/>
           <a:p>
             <a:endParaRPr lang="en-US" sz="2800" b="0" strike="noStrike" spc="-1">
               <a:solidFill>
@@ -2534,6 +2592,7 @@
           <a:bodyPr lIns="0" tIns="0" rIns="0" bIns="0" anchor="ctr">
             <a:noAutofit/>
           </a:bodyPr>
+          <a:lstStyle/>
           <a:p>
             <a:endParaRPr lang="en-US" sz="1800" b="0" strike="noStrike" spc="-1">
               <a:solidFill>
@@ -2592,6 +2651,7 @@
           <a:bodyPr lIns="0" tIns="0" rIns="0" bIns="0" anchor="ctr">
             <a:noAutofit/>
           </a:bodyPr>
+          <a:lstStyle/>
           <a:p>
             <a:pPr algn="ctr"/>
             <a:endParaRPr lang="en-US" sz="3200" b="0" strike="noStrike" spc="-1">
@@ -2648,6 +2708,7 @@
           <a:bodyPr lIns="0" tIns="0" rIns="0" bIns="0" anchor="ctr">
             <a:noAutofit/>
           </a:bodyPr>
+          <a:lstStyle/>
           <a:p>
             <a:endParaRPr lang="en-US" sz="1800" b="0" strike="noStrike" spc="-1">
               <a:solidFill>
@@ -2681,6 +2742,7 @@
           <a:bodyPr lIns="0" tIns="0" rIns="0" bIns="0">
             <a:normAutofit/>
           </a:bodyPr>
+          <a:lstStyle/>
           <a:p>
             <a:endParaRPr lang="en-US" sz="2800" b="0" strike="noStrike" spc="-1">
               <a:solidFill>
@@ -2714,6 +2776,7 @@
           <a:bodyPr lIns="0" tIns="0" rIns="0" bIns="0">
             <a:normAutofit/>
           </a:bodyPr>
+          <a:lstStyle/>
           <a:p>
             <a:endParaRPr lang="en-US" sz="2800" b="0" strike="noStrike" spc="-1">
               <a:solidFill>
@@ -2747,6 +2810,7 @@
           <a:bodyPr lIns="0" tIns="0" rIns="0" bIns="0">
             <a:normAutofit/>
           </a:bodyPr>
+          <a:lstStyle/>
           <a:p>
             <a:endParaRPr lang="en-US" sz="2800" b="0" strike="noStrike" spc="-1">
               <a:solidFill>
@@ -2805,6 +2869,7 @@
           <a:bodyPr lIns="0" tIns="0" rIns="0" bIns="0" anchor="ctr">
             <a:noAutofit/>
           </a:bodyPr>
+          <a:lstStyle/>
           <a:p>
             <a:endParaRPr lang="en-US" sz="1800" b="0" strike="noStrike" spc="-1">
               <a:solidFill>
@@ -2838,6 +2903,7 @@
           <a:bodyPr lIns="0" tIns="0" rIns="0" bIns="0">
             <a:normAutofit/>
           </a:bodyPr>
+          <a:lstStyle/>
           <a:p>
             <a:endParaRPr lang="en-US" sz="2800" b="0" strike="noStrike" spc="-1">
               <a:solidFill>
@@ -2871,6 +2937,7 @@
           <a:bodyPr lIns="0" tIns="0" rIns="0" bIns="0">
             <a:normAutofit/>
           </a:bodyPr>
+          <a:lstStyle/>
           <a:p>
             <a:endParaRPr lang="en-US" sz="2800" b="0" strike="noStrike" spc="-1">
               <a:solidFill>
@@ -2904,6 +2971,7 @@
           <a:bodyPr lIns="0" tIns="0" rIns="0" bIns="0">
             <a:normAutofit/>
           </a:bodyPr>
+          <a:lstStyle/>
           <a:p>
             <a:endParaRPr lang="en-US" sz="2800" b="0" strike="noStrike" spc="-1">
               <a:solidFill>
@@ -2962,6 +3030,7 @@
           <a:bodyPr lIns="0" tIns="0" rIns="0" bIns="0" anchor="ctr">
             <a:noAutofit/>
           </a:bodyPr>
+          <a:lstStyle/>
           <a:p>
             <a:endParaRPr lang="en-US" sz="1800" b="0" strike="noStrike" spc="-1">
               <a:solidFill>
@@ -2995,6 +3064,7 @@
           <a:bodyPr lIns="0" tIns="0" rIns="0" bIns="0">
             <a:normAutofit/>
           </a:bodyPr>
+          <a:lstStyle/>
           <a:p>
             <a:endParaRPr lang="en-US" sz="2800" b="0" strike="noStrike" spc="-1">
               <a:solidFill>
@@ -3028,6 +3098,7 @@
           <a:bodyPr lIns="0" tIns="0" rIns="0" bIns="0">
             <a:normAutofit/>
           </a:bodyPr>
+          <a:lstStyle/>
           <a:p>
             <a:endParaRPr lang="en-US" sz="2800" b="0" strike="noStrike" spc="-1">
               <a:solidFill>
@@ -3061,6 +3132,7 @@
           <a:bodyPr lIns="0" tIns="0" rIns="0" bIns="0">
             <a:normAutofit/>
           </a:bodyPr>
+          <a:lstStyle/>
           <a:p>
             <a:endParaRPr lang="en-US" sz="2800" b="0" strike="noStrike" spc="-1">
               <a:solidFill>
@@ -3106,7 +3178,7 @@
       </p:grpSpPr>
       <p:sp>
         <p:nvSpPr>
-          <p:cNvPr id="0" name="PlaceHolder 1"/>
+          <p:cNvPr id="6" name="PlaceHolder 1"/>
           <p:cNvSpPr>
             <a:spLocks noGrp="1"/>
           </p:cNvSpPr>
@@ -3127,6 +3199,7 @@
           <a:bodyPr anchor="ctr">
             <a:noAutofit/>
           </a:bodyPr>
+          <a:lstStyle/>
           <a:p>
             <a:pPr>
               <a:lnSpc>
@@ -3140,6 +3213,7 @@
                 </a:solidFill>
                 <a:latin typeface="游ゴシック" panose="020B0400000000000000" charset="-128"/>
               </a:rPr>
+              <a:t>10/30/2021</a:t>
             </a:fld>
             <a:endParaRPr lang="en-US" sz="1200" b="0" strike="noStrike" spc="-1">
               <a:latin typeface="Times New Roman" panose="02020603050405020304"/>
@@ -3170,6 +3244,7 @@
           <a:bodyPr anchor="ctr">
             <a:noAutofit/>
           </a:bodyPr>
+          <a:lstStyle/>
           <a:p>
             <a:endParaRPr lang="en-US" sz="2400" b="0" strike="noStrike" spc="-1">
               <a:latin typeface="Times New Roman" panose="02020603050405020304"/>
@@ -3200,6 +3275,7 @@
           <a:bodyPr anchor="ctr">
             <a:noAutofit/>
           </a:bodyPr>
+          <a:lstStyle/>
           <a:p>
             <a:pPr algn="r">
               <a:lnSpc>
@@ -3213,6 +3289,7 @@
                 </a:solidFill>
                 <a:latin typeface="游ゴシック" panose="020B0400000000000000" charset="-128"/>
               </a:rPr>
+              <a:t>‹#›</a:t>
             </a:fld>
             <a:endParaRPr lang="en-US" sz="1200" b="0" strike="noStrike" spc="-1">
               <a:latin typeface="Times New Roman" panose="02020603050405020304"/>
@@ -3243,6 +3320,7 @@
           <a:bodyPr lIns="0" tIns="0" rIns="0" bIns="0" anchor="ctr">
             <a:noAutofit/>
           </a:bodyPr>
+          <a:lstStyle/>
           <a:p>
             <a:r>
               <a:rPr lang="ja-JP" sz="1800" b="0" strike="noStrike" spc="-1">
@@ -3285,6 +3363,7 @@
           <a:bodyPr lIns="0" tIns="0" rIns="0" bIns="0">
             <a:normAutofit/>
           </a:bodyPr>
+          <a:lstStyle/>
           <a:p>
             <a:pPr marL="431800" indent="-323850">
               <a:spcBef>
@@ -3610,6 +3689,7 @@
           <a:bodyPr lIns="0" tIns="0" rIns="0" bIns="0" anchor="ctr">
             <a:noAutofit/>
           </a:bodyPr>
+          <a:lstStyle/>
           <a:p>
             <a:r>
               <a:rPr lang="ja-JP" sz="4400" b="0" strike="noStrike" spc="-1">
@@ -3652,6 +3732,7 @@
           <a:bodyPr lIns="0" tIns="0" rIns="0" bIns="0">
             <a:normAutofit/>
           </a:bodyPr>
+          <a:lstStyle/>
           <a:p>
             <a:pPr marL="431800" indent="-323850">
               <a:spcBef>
@@ -3953,7 +4034,7 @@
           <p:nvPr/>
         </p:nvPicPr>
         <p:blipFill>
-          <a:blip r:embed="rId1"/>
+          <a:blip r:embed="rId2"/>
           <a:stretch>
             <a:fillRect/>
           </a:stretch>
@@ -3976,14 +4057,6 @@
   <p:clrMapOvr>
     <a:masterClrMapping/>
   </p:clrMapOvr>
-  <mc:AlternateContent xmlns:mc="http://schemas.openxmlformats.org/markup-compatibility/2006">
-    <mc:Choice xmlns:p14="http://schemas.microsoft.com/office/powerpoint/2010/main" Requires="p14">
-      <p:transition spd="slow" p14:dur="2000"/>
-    </mc:Choice>
-    <mc:Fallback>
-      <p:transition spd="slow"/>
-    </mc:Fallback>
-  </mc:AlternateContent>
 </p:sld>
 </file>
 
@@ -4011,7 +4084,7 @@
           <p:nvPr/>
         </p:nvPicPr>
         <p:blipFill>
-          <a:blip r:embed="rId1"/>
+          <a:blip r:embed="rId2"/>
           <a:stretch>
             <a:fillRect/>
           </a:stretch>
@@ -4068,6 +4141,7 @@
           <a:bodyPr lIns="90000" tIns="45000" rIns="90000" bIns="45000">
             <a:noAutofit/>
           </a:bodyPr>
+          <a:lstStyle/>
           <a:p>
             <a:pPr>
               <a:lnSpc>
@@ -4081,16 +4155,7 @@
                 </a:solidFill>
                 <a:latin typeface="Arial" panose="020B0604020202020204"/>
               </a:rPr>
-              <a:t>Set inertia 1/10 of that of piston&amp;cylinder;</a:t>
-            </a:r>
-            <a:r>
-              <a:rPr lang="en-US" sz="1100" b="0" strike="noStrike" spc="-1">
-                <a:solidFill>
-                  <a:srgbClr val="000000"/>
-                </a:solidFill>
-                <a:latin typeface="Arial" panose="020B0604020202020204"/>
-              </a:rPr>
-              <a:t> large value to exaggarate the turb-lag intentionally.</a:t>
+              <a:t>Set inertia 1/10 of that of piston&amp;cylinder; large value to exaggarate the turb-lag intentionally.</a:t>
             </a:r>
             <a:endParaRPr lang="en-US" sz="1100" b="0" strike="noStrike" spc="-1">
               <a:latin typeface="Arial" panose="020B0604020202020204"/>
@@ -4171,6 +4236,7 @@
           <a:bodyPr lIns="90000" tIns="45000" rIns="90000" bIns="45000">
             <a:noAutofit/>
           </a:bodyPr>
+          <a:lstStyle/>
           <a:p>
             <a:pPr>
               <a:lnSpc>
@@ -4299,6 +4365,7 @@
         </p:style>
         <p:txBody>
           <a:bodyPr rtlCol="0" anchor="ctr"/>
+          <a:lstStyle/>
           <a:p>
             <a:pPr algn="ctr"/>
             <a:endParaRPr lang="ja-JP" altLang="en-US"/>
@@ -4325,12 +4392,12 @@
           <a:bodyPr wrap="square" rtlCol="0">
             <a:spAutoFit/>
           </a:bodyPr>
+          <a:lstStyle/>
           <a:p>
             <a:r>
               <a:rPr lang="en-US" altLang="ja-JP" sz="1400"/>
               <a:t>engine power output</a:t>
             </a:r>
-            <a:endParaRPr lang="en-US" altLang="ja-JP" sz="1400"/>
           </a:p>
         </p:txBody>
       </p:sp>
@@ -4354,12 +4421,12 @@
           <a:bodyPr wrap="square" rtlCol="0">
             <a:spAutoFit/>
           </a:bodyPr>
+          <a:lstStyle/>
           <a:p>
             <a:r>
               <a:rPr lang="en-US" altLang="ja-JP" sz="1400"/>
               <a:t>load</a:t>
             </a:r>
-            <a:endParaRPr lang="en-US" altLang="ja-JP" sz="1400"/>
           </a:p>
         </p:txBody>
       </p:sp>
@@ -4399,6 +4466,7 @@
         </p:style>
         <p:txBody>
           <a:bodyPr rtlCol="0" anchor="ctr"/>
+          <a:lstStyle/>
           <a:p>
             <a:pPr algn="ctr"/>
             <a:endParaRPr lang="ja-JP" altLang="en-US"/>
@@ -4410,14 +4478,6 @@
   <p:clrMapOvr>
     <a:masterClrMapping/>
   </p:clrMapOvr>
-  <mc:AlternateContent xmlns:mc="http://schemas.openxmlformats.org/markup-compatibility/2006">
-    <mc:Choice xmlns:p14="http://schemas.microsoft.com/office/powerpoint/2010/main" Requires="p14">
-      <p:transition spd="slow" p14:dur="2000"/>
-    </mc:Choice>
-    <mc:Fallback>
-      <p:transition spd="slow"/>
-    </mc:Fallback>
-  </mc:AlternateContent>
 </p:sld>
 </file>
 
@@ -4445,7 +4505,7 @@
           <p:nvPr/>
         </p:nvPicPr>
         <p:blipFill>
-          <a:blip r:embed="rId1"/>
+          <a:blip r:embed="rId2"/>
           <a:stretch>
             <a:fillRect/>
           </a:stretch>
@@ -4468,14 +4528,6 @@
   <p:clrMapOvr>
     <a:masterClrMapping/>
   </p:clrMapOvr>
-  <mc:AlternateContent xmlns:mc="http://schemas.openxmlformats.org/markup-compatibility/2006">
-    <mc:Choice xmlns:p14="http://schemas.microsoft.com/office/powerpoint/2010/main" Requires="p14">
-      <p:transition spd="slow" p14:dur="2000"/>
-    </mc:Choice>
-    <mc:Fallback>
-      <p:transition spd="slow"/>
-    </mc:Fallback>
-  </mc:AlternateContent>
 </p:sld>
 </file>
 
@@ -4503,7 +4555,7 @@
           <p:nvPr/>
         </p:nvPicPr>
         <p:blipFill>
-          <a:blip r:embed="rId1"/>
+          <a:blip r:embed="rId2"/>
           <a:stretch>
             <a:fillRect/>
           </a:stretch>
@@ -4557,6 +4609,7 @@
         </p:style>
         <p:txBody>
           <a:bodyPr rtlCol="0" anchor="ctr"/>
+          <a:lstStyle/>
           <a:p>
             <a:pPr algn="ctr"/>
             <a:endParaRPr lang="ja-JP" altLang="en-US"/>
@@ -4583,12 +4636,12 @@
           <a:bodyPr wrap="square" rtlCol="0">
             <a:spAutoFit/>
           </a:bodyPr>
+          <a:lstStyle/>
           <a:p>
             <a:r>
               <a:rPr lang="en-US" altLang="ja-JP" sz="1400"/>
               <a:t>engine power output</a:t>
             </a:r>
-            <a:endParaRPr lang="en-US" altLang="ja-JP" sz="1400"/>
           </a:p>
         </p:txBody>
       </p:sp>
@@ -4612,12 +4665,12 @@
           <a:bodyPr wrap="square" rtlCol="0">
             <a:spAutoFit/>
           </a:bodyPr>
+          <a:lstStyle/>
           <a:p>
             <a:r>
               <a:rPr lang="en-US" altLang="ja-JP" sz="1400"/>
               <a:t>load</a:t>
             </a:r>
-            <a:endParaRPr lang="en-US" altLang="ja-JP" sz="1400"/>
           </a:p>
         </p:txBody>
       </p:sp>
@@ -4657,6 +4710,7 @@
         </p:style>
         <p:txBody>
           <a:bodyPr rtlCol="0" anchor="ctr"/>
+          <a:lstStyle/>
           <a:p>
             <a:pPr algn="ctr"/>
             <a:endParaRPr lang="ja-JP" altLang="en-US"/>
@@ -4702,6 +4756,7 @@
           <a:bodyPr lIns="90000" tIns="45000" rIns="90000" bIns="45000">
             <a:noAutofit/>
           </a:bodyPr>
+          <a:lstStyle/>
           <a:p>
             <a:pPr>
               <a:lnSpc>
@@ -4799,14 +4854,6 @@
   <p:clrMapOvr>
     <a:masterClrMapping/>
   </p:clrMapOvr>
-  <mc:AlternateContent xmlns:mc="http://schemas.openxmlformats.org/markup-compatibility/2006">
-    <mc:Choice xmlns:p14="http://schemas.microsoft.com/office/powerpoint/2010/main" Requires="p14">
-      <p:transition spd="slow" p14:dur="2000"/>
-    </mc:Choice>
-    <mc:Fallback>
-      <p:transition spd="slow"/>
-    </mc:Fallback>
-  </mc:AlternateContent>
 </p:sld>
 </file>
 
@@ -4834,7 +4881,7 @@
           <p:nvPr/>
         </p:nvPicPr>
         <p:blipFill>
-          <a:blip r:embed="rId1"/>
+          <a:blip r:embed="rId2"/>
           <a:stretch>
             <a:fillRect/>
           </a:stretch>
@@ -4891,6 +4938,7 @@
           <a:bodyPr lIns="90000" tIns="45000" rIns="90000" bIns="45000">
             <a:noAutofit/>
           </a:bodyPr>
+          <a:lstStyle/>
           <a:p>
             <a:pPr>
               <a:lnSpc>
@@ -4970,6 +5018,7 @@
           <a:bodyPr lIns="90000" tIns="45000" rIns="90000" bIns="45000">
             <a:noAutofit/>
           </a:bodyPr>
+          <a:lstStyle/>
           <a:p>
             <a:pPr>
               <a:lnSpc>
@@ -5030,6 +5079,7 @@
           <a:bodyPr lIns="90000" tIns="45000" rIns="90000" bIns="45000">
             <a:noAutofit/>
           </a:bodyPr>
+          <a:lstStyle/>
           <a:p>
             <a:pPr>
               <a:lnSpc>
@@ -5127,6 +5177,7 @@
           <a:bodyPr lIns="90000" tIns="45000" rIns="90000" bIns="45000">
             <a:noAutofit/>
           </a:bodyPr>
+          <a:lstStyle/>
           <a:p>
             <a:pPr>
               <a:lnSpc>
@@ -5280,14 +5331,6 @@
   <p:clrMapOvr>
     <a:masterClrMapping/>
   </p:clrMapOvr>
-  <mc:AlternateContent xmlns:mc="http://schemas.openxmlformats.org/markup-compatibility/2006">
-    <mc:Choice xmlns:p14="http://schemas.microsoft.com/office/powerpoint/2010/main" Requires="p14">
-      <p:transition spd="slow" p14:dur="2000"/>
-    </mc:Choice>
-    <mc:Fallback>
-      <p:transition spd="slow"/>
-    </mc:Fallback>
-  </mc:AlternateContent>
 </p:sld>
 </file>
 
@@ -5315,7 +5358,7 @@
           <p:nvPr/>
         </p:nvPicPr>
         <p:blipFill>
-          <a:blip r:embed="rId1"/>
+          <a:blip r:embed="rId2"/>
           <a:stretch>
             <a:fillRect/>
           </a:stretch>
@@ -5372,6 +5415,7 @@
           <a:bodyPr lIns="90000" tIns="45000" rIns="90000" bIns="45000">
             <a:noAutofit/>
           </a:bodyPr>
+          <a:lstStyle/>
           <a:p>
             <a:pPr>
               <a:lnSpc>
@@ -5451,6 +5495,7 @@
           <a:bodyPr lIns="90000" tIns="45000" rIns="90000" bIns="45000">
             <a:noAutofit/>
           </a:bodyPr>
+          <a:lstStyle/>
           <a:p>
             <a:pPr>
               <a:lnSpc>
@@ -5582,6 +5627,7 @@
           <a:bodyPr lIns="90000" tIns="45000" rIns="90000" bIns="45000">
             <a:noAutofit/>
           </a:bodyPr>
+          <a:lstStyle/>
           <a:p>
             <a:pPr>
               <a:lnSpc>
@@ -5713,6 +5759,7 @@
           <a:bodyPr lIns="90000" tIns="45000" rIns="90000" bIns="45000">
             <a:noAutofit/>
           </a:bodyPr>
+          <a:lstStyle/>
           <a:p>
             <a:pPr>
               <a:lnSpc>
@@ -5758,14 +5805,6 @@
   <p:clrMapOvr>
     <a:masterClrMapping/>
   </p:clrMapOvr>
-  <mc:AlternateContent xmlns:mc="http://schemas.openxmlformats.org/markup-compatibility/2006">
-    <mc:Choice xmlns:p14="http://schemas.microsoft.com/office/powerpoint/2010/main" Requires="p14">
-      <p:transition spd="slow" p14:dur="2000"/>
-    </mc:Choice>
-    <mc:Fallback>
-      <p:transition spd="slow"/>
-    </mc:Fallback>
-  </mc:AlternateContent>
 </p:sld>
 </file>
 
@@ -5793,7 +5832,7 @@
           <p:nvPr/>
         </p:nvPicPr>
         <p:blipFill>
-          <a:blip r:embed="rId1"/>
+          <a:blip r:embed="rId2"/>
           <a:stretch>
             <a:fillRect/>
           </a:stretch>
@@ -5853,6 +5892,7 @@
           <a:bodyPr lIns="90000" tIns="45000" rIns="90000" bIns="45000">
             <a:noAutofit/>
           </a:bodyPr>
+          <a:lstStyle/>
           <a:p>
             <a:pPr>
               <a:lnSpc>
@@ -6200,6 +6240,7 @@
           <a:bodyPr lIns="90000" tIns="45000" rIns="90000" bIns="45000">
             <a:spAutoFit/>
           </a:bodyPr>
+          <a:lstStyle/>
           <a:p>
             <a:pPr>
               <a:lnSpc>
@@ -6256,6 +6297,7 @@
           <a:bodyPr lIns="90000" tIns="45000" rIns="90000" bIns="45000">
             <a:spAutoFit/>
           </a:bodyPr>
+          <a:lstStyle/>
           <a:p>
             <a:pPr>
               <a:lnSpc>
@@ -6418,6 +6460,7 @@
           <a:bodyPr lIns="90000" tIns="45000" rIns="90000" bIns="45000">
             <a:noAutofit/>
           </a:bodyPr>
+          <a:lstStyle/>
           <a:p>
             <a:pPr>
               <a:lnSpc>
@@ -6481,6 +6524,7 @@
           <a:bodyPr lIns="90000" tIns="45000" rIns="90000" bIns="45000">
             <a:noAutofit/>
           </a:bodyPr>
+          <a:lstStyle/>
           <a:p>
             <a:pPr>
               <a:lnSpc>
@@ -6674,6 +6718,7 @@
           <a:bodyPr lIns="90000" tIns="45000" rIns="90000" bIns="45000">
             <a:noAutofit/>
           </a:bodyPr>
+          <a:lstStyle/>
           <a:p>
             <a:pPr>
               <a:lnSpc>
@@ -6734,6 +6779,7 @@
           <a:bodyPr lIns="90000" tIns="45000" rIns="90000" bIns="45000">
             <a:noAutofit/>
           </a:bodyPr>
+          <a:lstStyle/>
           <a:p>
             <a:pPr>
               <a:lnSpc>
@@ -6794,6 +6840,7 @@
           <a:bodyPr lIns="90000" tIns="45000" rIns="90000" bIns="45000">
             <a:noAutofit/>
           </a:bodyPr>
+          <a:lstStyle/>
           <a:p>
             <a:pPr>
               <a:lnSpc>
@@ -6952,6 +6999,7 @@
           <a:bodyPr lIns="90000" tIns="45000" rIns="90000" bIns="45000">
             <a:noAutofit/>
           </a:bodyPr>
+          <a:lstStyle/>
           <a:p>
             <a:pPr>
               <a:lnSpc>
@@ -7061,6 +7109,7 @@
           <a:bodyPr lIns="90000" tIns="45000" rIns="90000" bIns="45000">
             <a:noAutofit/>
           </a:bodyPr>
+          <a:lstStyle/>
           <a:p>
             <a:pPr>
               <a:lnSpc>
@@ -7136,14 +7185,6 @@
   <p:clrMapOvr>
     <a:masterClrMapping/>
   </p:clrMapOvr>
-  <mc:AlternateContent xmlns:mc="http://schemas.openxmlformats.org/markup-compatibility/2006">
-    <mc:Choice xmlns:p14="http://schemas.microsoft.com/office/powerpoint/2010/main" Requires="p14">
-      <p:transition spd="slow" p14:dur="2000"/>
-    </mc:Choice>
-    <mc:Fallback>
-      <p:transition spd="slow"/>
-    </mc:Fallback>
-  </mc:AlternateContent>
 </p:sld>
 </file>
 
@@ -7370,6 +7411,8 @@
       </a:bgFillStyleLst>
     </a:fmtScheme>
   </a:themeElements>
+  <a:objectDefaults/>
+  <a:extraClrSchemeLst/>
   <a:extLst>
     <a:ext uri="{05A4C25C-085E-4340-85A3-A5531E510DB2}">
       <thm15:themeFamily xmlns:thm15="http://schemas.microsoft.com/office/thememl/2012/main" name="Office Theme" id="{62F939B6-93AF-4DB8-9C6B-D6C7DFDC589F}" vid="{4A3C46E8-61CC-4603-A589-7422A47A8E4A}"/>
@@ -7601,6 +7644,8 @@
       </a:bgFillStyleLst>
     </a:fmtScheme>
   </a:themeElements>
+  <a:objectDefaults/>
+  <a:extraClrSchemeLst/>
   <a:extLst>
     <a:ext uri="{05A4C25C-085E-4340-85A3-A5531E510DB2}">
       <thm15:themeFamily xmlns:thm15="http://schemas.microsoft.com/office/thememl/2012/main" name="Office Theme" id="{62F939B6-93AF-4DB8-9C6B-D6C7DFDC589F}" vid="{4A3C46E8-61CC-4603-A589-7422A47A8E4A}"/>

--- a/docs/Examples/Engines/Transient/O360-turbocharged-vs-none/makeFig_O360-turbocharged-vs-none.pptx
+++ b/docs/Examples/Engines/Transient/O360-turbocharged-vs-none/makeFig_O360-turbocharged-vs-none.pptx
@@ -108,6 +108,11 @@
       </a:defRPr>
     </a:lvl9pPr>
   </p:defaultTextStyle>
+  <p:extLst>
+    <p:ext uri="{EFAFB233-063F-42B5-8137-9DF3F51BA10A}">
+      <p15:sldGuideLst xmlns:p15="http://schemas.microsoft.com/office/powerpoint/2012/main"/>
+    </p:ext>
+  </p:extLst>
 </p:presentation>
 </file>
 
@@ -4653,7 +4658,7 @@
         </p:nvSpPr>
         <p:spPr>
           <a:xfrm>
-            <a:off x="10428605" y="5876290"/>
+            <a:off x="10229823" y="5876290"/>
             <a:ext cx="768350" cy="306705"/>
           </a:xfrm>
           <a:prstGeom prst="rect">
@@ -4668,7 +4673,7 @@
           <a:lstStyle/>
           <a:p>
             <a:r>
-              <a:rPr lang="en-US" altLang="ja-JP" sz="1400"/>
+              <a:rPr lang="en-US" altLang="ja-JP" sz="1400" dirty="0"/>
               <a:t>load</a:t>
             </a:r>
           </a:p>
